--- a/Powerpoint/Webinar.pptx
+++ b/Powerpoint/Webinar.pptx
@@ -5,13 +5,29 @@
     <p:sldMasterId id="2147483648" r:id="rId1"/>
   </p:sldMasterIdLst>
   <p:notesMasterIdLst>
-    <p:notesMasterId r:id="rId6"/>
+    <p:notesMasterId r:id="rId22"/>
   </p:notesMasterIdLst>
   <p:sldIdLst>
     <p:sldId id="256" r:id="rId2"/>
     <p:sldId id="294" r:id="rId3"/>
     <p:sldId id="295" r:id="rId4"/>
     <p:sldId id="296" r:id="rId5"/>
+    <p:sldId id="381" r:id="rId6"/>
+    <p:sldId id="380" r:id="rId7"/>
+    <p:sldId id="297" r:id="rId8"/>
+    <p:sldId id="300" r:id="rId9"/>
+    <p:sldId id="301" r:id="rId10"/>
+    <p:sldId id="299" r:id="rId11"/>
+    <p:sldId id="298" r:id="rId12"/>
+    <p:sldId id="302" r:id="rId13"/>
+    <p:sldId id="303" r:id="rId14"/>
+    <p:sldId id="304" r:id="rId15"/>
+    <p:sldId id="305" r:id="rId16"/>
+    <p:sldId id="306" r:id="rId17"/>
+    <p:sldId id="307" r:id="rId18"/>
+    <p:sldId id="308" r:id="rId19"/>
+    <p:sldId id="309" r:id="rId20"/>
+    <p:sldId id="310" r:id="rId21"/>
   </p:sldIdLst>
   <p:sldSz cx="12192000" cy="6858000"/>
   <p:notesSz cx="6858000" cy="9144000"/>
@@ -200,7 +216,7 @@
           <a:p>
             <a:fld id="{EF7605A9-D843-407C-9CBE-B56DCAD297D7}" type="datetimeFigureOut">
               <a:rPr lang="en-US" smtClean="0"/>
-              <a:t>11/21/2018</a:t>
+              <a:t>12-05-20</a:t>
             </a:fld>
             <a:endParaRPr lang="en-US"/>
           </a:p>
@@ -989,7 +1005,7 @@
           <a:p>
             <a:fld id="{ACF7820E-34FD-4988-B782-4EA914680210}" type="datetimeFigureOut">
               <a:rPr lang="da-DK" smtClean="0"/>
-              <a:t>21-11-2018</a:t>
+              <a:t>12-05-2020</a:t>
             </a:fld>
             <a:endParaRPr lang="da-DK"/>
           </a:p>
@@ -1137,7 +1153,7 @@
           <a:p>
             <a:fld id="{ACF7820E-34FD-4988-B782-4EA914680210}" type="datetimeFigureOut">
               <a:rPr lang="da-DK" smtClean="0"/>
-              <a:t>21-11-2018</a:t>
+              <a:t>12-05-2020</a:t>
             </a:fld>
             <a:endParaRPr lang="da-DK"/>
           </a:p>
@@ -1262,7 +1278,7 @@
           <a:p>
             <a:fld id="{ACF7820E-34FD-4988-B782-4EA914680210}" type="datetimeFigureOut">
               <a:rPr lang="da-DK" smtClean="0"/>
-              <a:t>21-11-2018</a:t>
+              <a:t>12-05-2020</a:t>
             </a:fld>
             <a:endParaRPr lang="da-DK"/>
           </a:p>
@@ -1387,7 +1403,7 @@
           <a:p>
             <a:fld id="{ACF7820E-34FD-4988-B782-4EA914680210}" type="datetimeFigureOut">
               <a:rPr lang="da-DK" smtClean="0"/>
-              <a:t>21-11-2018</a:t>
+              <a:t>12-05-2020</a:t>
             </a:fld>
             <a:endParaRPr lang="da-DK"/>
           </a:p>
@@ -1701,7 +1717,7 @@
           <a:p>
             <a:fld id="{ACF7820E-34FD-4988-B782-4EA914680210}" type="datetimeFigureOut">
               <a:rPr lang="da-DK" smtClean="0"/>
-              <a:t>21-11-2018</a:t>
+              <a:t>12-05-2020</a:t>
             </a:fld>
             <a:endParaRPr lang="da-DK"/>
           </a:p>
@@ -2015,7 +2031,7 @@
           <a:p>
             <a:fld id="{ACF7820E-34FD-4988-B782-4EA914680210}" type="datetimeFigureOut">
               <a:rPr lang="da-DK" smtClean="0"/>
-              <a:t>21-11-2018</a:t>
+              <a:t>12-05-2020</a:t>
             </a:fld>
             <a:endParaRPr lang="da-DK"/>
           </a:p>
@@ -2298,7 +2314,7 @@
           <a:p>
             <a:fld id="{ACF7820E-34FD-4988-B782-4EA914680210}" type="datetimeFigureOut">
               <a:rPr lang="da-DK" smtClean="0"/>
-              <a:t>21-11-2018</a:t>
+              <a:t>12-05-2020</a:t>
             </a:fld>
             <a:endParaRPr lang="da-DK"/>
           </a:p>
@@ -2581,7 +2597,7 @@
           <a:p>
             <a:fld id="{ACF7820E-34FD-4988-B782-4EA914680210}" type="datetimeFigureOut">
               <a:rPr lang="da-DK" smtClean="0"/>
-              <a:t>21-11-2018</a:t>
+              <a:t>12-05-2020</a:t>
             </a:fld>
             <a:endParaRPr lang="da-DK"/>
           </a:p>
@@ -2786,7 +2802,7 @@
           <a:p>
             <a:fld id="{ACF7820E-34FD-4988-B782-4EA914680210}" type="datetimeFigureOut">
               <a:rPr lang="da-DK" smtClean="0"/>
-              <a:t>21-11-2018</a:t>
+              <a:t>12-05-2020</a:t>
             </a:fld>
             <a:endParaRPr lang="da-DK"/>
           </a:p>
@@ -2991,7 +3007,7 @@
           <a:p>
             <a:fld id="{ACF7820E-34FD-4988-B782-4EA914680210}" type="datetimeFigureOut">
               <a:rPr lang="da-DK" smtClean="0"/>
-              <a:t>21-11-2018</a:t>
+              <a:t>12-05-2020</a:t>
             </a:fld>
             <a:endParaRPr lang="da-DK"/>
           </a:p>
@@ -3267,7 +3283,7 @@
           <a:p>
             <a:fld id="{ACF7820E-34FD-4988-B782-4EA914680210}" type="datetimeFigureOut">
               <a:rPr lang="da-DK" smtClean="0"/>
-              <a:t>21-11-2018</a:t>
+              <a:t>12-05-2020</a:t>
             </a:fld>
             <a:endParaRPr lang="da-DK"/>
           </a:p>
@@ -3499,7 +3515,7 @@
           <a:p>
             <a:fld id="{ACF7820E-34FD-4988-B782-4EA914680210}" type="datetimeFigureOut">
               <a:rPr lang="da-DK" smtClean="0"/>
-              <a:t>21-11-2018</a:t>
+              <a:t>12-05-2020</a:t>
             </a:fld>
             <a:endParaRPr lang="da-DK"/>
           </a:p>
@@ -3761,7 +3777,7 @@
           <a:p>
             <a:fld id="{ACF7820E-34FD-4988-B782-4EA914680210}" type="datetimeFigureOut">
               <a:rPr lang="da-DK" smtClean="0"/>
-              <a:t>21-11-2018</a:t>
+              <a:t>12-05-2020</a:t>
             </a:fld>
             <a:endParaRPr lang="da-DK"/>
           </a:p>
@@ -4174,7 +4190,7 @@
           <a:p>
             <a:fld id="{ACF7820E-34FD-4988-B782-4EA914680210}" type="datetimeFigureOut">
               <a:rPr lang="da-DK" smtClean="0"/>
-              <a:t>21-11-2018</a:t>
+              <a:t>12-05-2020</a:t>
             </a:fld>
             <a:endParaRPr lang="da-DK"/>
           </a:p>
@@ -4587,7 +4603,7 @@
           <a:p>
             <a:fld id="{ACF7820E-34FD-4988-B782-4EA914680210}" type="datetimeFigureOut">
               <a:rPr lang="da-DK" smtClean="0"/>
-              <a:t>21-11-2018</a:t>
+              <a:t>12-05-2020</a:t>
             </a:fld>
             <a:endParaRPr lang="da-DK"/>
           </a:p>
@@ -4735,7 +4751,7 @@
           <a:p>
             <a:fld id="{ACF7820E-34FD-4988-B782-4EA914680210}" type="datetimeFigureOut">
               <a:rPr lang="da-DK" smtClean="0"/>
-              <a:t>21-11-2018</a:t>
+              <a:t>12-05-2020</a:t>
             </a:fld>
             <a:endParaRPr lang="da-DK"/>
           </a:p>
@@ -4978,7 +4994,7 @@
           <a:p>
             <a:fld id="{ACF7820E-34FD-4988-B782-4EA914680210}" type="datetimeFigureOut">
               <a:rPr lang="da-DK" smtClean="0"/>
-              <a:t>21-11-2018</a:t>
+              <a:t>12-05-2020</a:t>
             </a:fld>
             <a:endParaRPr lang="da-DK"/>
           </a:p>
@@ -5457,6 +5473,837 @@
 </p:sld>
 </file>
 
+<file path=ppt/slides/slide10.xml><?xml version="1.0" encoding="utf-8"?>
+<p:sld xmlns:a="http://schemas.openxmlformats.org/drawingml/2006/main" xmlns:r="http://schemas.openxmlformats.org/officeDocument/2006/relationships" xmlns:p="http://schemas.openxmlformats.org/presentationml/2006/main">
+  <p:cSld>
+    <p:spTree>
+      <p:nvGrpSpPr>
+        <p:cNvPr id="1" name=""/>
+        <p:cNvGrpSpPr/>
+        <p:nvPr/>
+      </p:nvGrpSpPr>
+      <p:grpSpPr>
+        <a:xfrm>
+          <a:off x="0" y="0"/>
+          <a:ext cx="0" cy="0"/>
+          <a:chOff x="0" y="0"/>
+          <a:chExt cx="0" cy="0"/>
+        </a:xfrm>
+      </p:grpSpPr>
+      <p:sp>
+        <p:nvSpPr>
+          <p:cNvPr id="2" name="Title 1">
+            <a:extLst>
+              <a:ext uri="{FF2B5EF4-FFF2-40B4-BE49-F238E27FC236}">
+                <a16:creationId xmlns:a16="http://schemas.microsoft.com/office/drawing/2014/main" id="{4191AE35-B4E0-48BB-B0D2-CFB15683AC1F}"/>
+              </a:ext>
+            </a:extLst>
+          </p:cNvPr>
+          <p:cNvSpPr>
+            <a:spLocks noGrp="1"/>
+          </p:cNvSpPr>
+          <p:nvPr>
+            <p:ph type="title"/>
+          </p:nvPr>
+        </p:nvSpPr>
+        <p:spPr/>
+        <p:txBody>
+          <a:bodyPr/>
+          <a:lstStyle/>
+          <a:p>
+            <a:r>
+              <a:rPr lang="en-US" dirty="0"/>
+              <a:t>Custom report layouts</a:t>
+            </a:r>
+          </a:p>
+        </p:txBody>
+      </p:sp>
+      <p:sp>
+        <p:nvSpPr>
+          <p:cNvPr id="3" name="Content Placeholder 2">
+            <a:extLst>
+              <a:ext uri="{FF2B5EF4-FFF2-40B4-BE49-F238E27FC236}">
+                <a16:creationId xmlns:a16="http://schemas.microsoft.com/office/drawing/2014/main" id="{111E9379-CF32-4676-B143-B4DC104F40DE}"/>
+              </a:ext>
+            </a:extLst>
+          </p:cNvPr>
+          <p:cNvSpPr>
+            <a:spLocks noGrp="1"/>
+          </p:cNvSpPr>
+          <p:nvPr>
+            <p:ph idx="1"/>
+          </p:nvPr>
+        </p:nvSpPr>
+        <p:spPr/>
+        <p:txBody>
+          <a:bodyPr/>
+          <a:lstStyle/>
+          <a:p>
+            <a:endParaRPr lang="en-US" dirty="0"/>
+          </a:p>
+        </p:txBody>
+      </p:sp>
+    </p:spTree>
+    <p:extLst>
+      <p:ext uri="{BB962C8B-B14F-4D97-AF65-F5344CB8AC3E}">
+        <p14:creationId xmlns:p14="http://schemas.microsoft.com/office/powerpoint/2010/main" val="3735359763"/>
+      </p:ext>
+    </p:extLst>
+  </p:cSld>
+  <p:clrMapOvr>
+    <a:masterClrMapping/>
+  </p:clrMapOvr>
+</p:sld>
+</file>
+
+<file path=ppt/slides/slide11.xml><?xml version="1.0" encoding="utf-8"?>
+<p:sld xmlns:a="http://schemas.openxmlformats.org/drawingml/2006/main" xmlns:r="http://schemas.openxmlformats.org/officeDocument/2006/relationships" xmlns:p="http://schemas.openxmlformats.org/presentationml/2006/main">
+  <p:cSld>
+    <p:spTree>
+      <p:nvGrpSpPr>
+        <p:cNvPr id="1" name=""/>
+        <p:cNvGrpSpPr/>
+        <p:nvPr/>
+      </p:nvGrpSpPr>
+      <p:grpSpPr>
+        <a:xfrm>
+          <a:off x="0" y="0"/>
+          <a:ext cx="0" cy="0"/>
+          <a:chOff x="0" y="0"/>
+          <a:chExt cx="0" cy="0"/>
+        </a:xfrm>
+      </p:grpSpPr>
+      <p:sp>
+        <p:nvSpPr>
+          <p:cNvPr id="2" name="Title 1">
+            <a:extLst>
+              <a:ext uri="{FF2B5EF4-FFF2-40B4-BE49-F238E27FC236}">
+                <a16:creationId xmlns:a16="http://schemas.microsoft.com/office/drawing/2014/main" id="{4191AE35-B4E0-48BB-B0D2-CFB15683AC1F}"/>
+              </a:ext>
+            </a:extLst>
+          </p:cNvPr>
+          <p:cNvSpPr>
+            <a:spLocks noGrp="1"/>
+          </p:cNvSpPr>
+          <p:nvPr>
+            <p:ph type="title"/>
+          </p:nvPr>
+        </p:nvSpPr>
+        <p:spPr/>
+        <p:txBody>
+          <a:bodyPr/>
+          <a:lstStyle/>
+          <a:p>
+            <a:r>
+              <a:rPr lang="en-US" dirty="0"/>
+              <a:t>Templates</a:t>
+            </a:r>
+          </a:p>
+        </p:txBody>
+      </p:sp>
+      <p:sp>
+        <p:nvSpPr>
+          <p:cNvPr id="3" name="Content Placeholder 2">
+            <a:extLst>
+              <a:ext uri="{FF2B5EF4-FFF2-40B4-BE49-F238E27FC236}">
+                <a16:creationId xmlns:a16="http://schemas.microsoft.com/office/drawing/2014/main" id="{111E9379-CF32-4676-B143-B4DC104F40DE}"/>
+              </a:ext>
+            </a:extLst>
+          </p:cNvPr>
+          <p:cNvSpPr>
+            <a:spLocks noGrp="1"/>
+          </p:cNvSpPr>
+          <p:nvPr>
+            <p:ph idx="1"/>
+          </p:nvPr>
+        </p:nvSpPr>
+        <p:spPr/>
+        <p:txBody>
+          <a:bodyPr/>
+          <a:lstStyle/>
+          <a:p>
+            <a:endParaRPr lang="en-US" dirty="0"/>
+          </a:p>
+        </p:txBody>
+      </p:sp>
+    </p:spTree>
+    <p:extLst>
+      <p:ext uri="{BB962C8B-B14F-4D97-AF65-F5344CB8AC3E}">
+        <p14:creationId xmlns:p14="http://schemas.microsoft.com/office/powerpoint/2010/main" val="3306026649"/>
+      </p:ext>
+    </p:extLst>
+  </p:cSld>
+  <p:clrMapOvr>
+    <a:masterClrMapping/>
+  </p:clrMapOvr>
+</p:sld>
+</file>
+
+<file path=ppt/slides/slide12.xml><?xml version="1.0" encoding="utf-8"?>
+<p:sld xmlns:a="http://schemas.openxmlformats.org/drawingml/2006/main" xmlns:r="http://schemas.openxmlformats.org/officeDocument/2006/relationships" xmlns:p="http://schemas.openxmlformats.org/presentationml/2006/main">
+  <p:cSld>
+    <p:spTree>
+      <p:nvGrpSpPr>
+        <p:cNvPr id="1" name=""/>
+        <p:cNvGrpSpPr/>
+        <p:nvPr/>
+      </p:nvGrpSpPr>
+      <p:grpSpPr>
+        <a:xfrm>
+          <a:off x="0" y="0"/>
+          <a:ext cx="0" cy="0"/>
+          <a:chOff x="0" y="0"/>
+          <a:chExt cx="0" cy="0"/>
+        </a:xfrm>
+      </p:grpSpPr>
+      <p:sp>
+        <p:nvSpPr>
+          <p:cNvPr id="2" name="Title 1">
+            <a:extLst>
+              <a:ext uri="{FF2B5EF4-FFF2-40B4-BE49-F238E27FC236}">
+                <a16:creationId xmlns:a16="http://schemas.microsoft.com/office/drawing/2014/main" id="{4191AE35-B4E0-48BB-B0D2-CFB15683AC1F}"/>
+              </a:ext>
+            </a:extLst>
+          </p:cNvPr>
+          <p:cNvSpPr>
+            <a:spLocks noGrp="1"/>
+          </p:cNvSpPr>
+          <p:nvPr>
+            <p:ph type="title"/>
+          </p:nvPr>
+        </p:nvSpPr>
+        <p:spPr/>
+        <p:txBody>
+          <a:bodyPr/>
+          <a:lstStyle/>
+          <a:p>
+            <a:r>
+              <a:rPr lang="en-US" dirty="0"/>
+              <a:t>Multilanguage</a:t>
+            </a:r>
+          </a:p>
+        </p:txBody>
+      </p:sp>
+      <p:sp>
+        <p:nvSpPr>
+          <p:cNvPr id="3" name="Content Placeholder 2">
+            <a:extLst>
+              <a:ext uri="{FF2B5EF4-FFF2-40B4-BE49-F238E27FC236}">
+                <a16:creationId xmlns:a16="http://schemas.microsoft.com/office/drawing/2014/main" id="{111E9379-CF32-4676-B143-B4DC104F40DE}"/>
+              </a:ext>
+            </a:extLst>
+          </p:cNvPr>
+          <p:cNvSpPr>
+            <a:spLocks noGrp="1"/>
+          </p:cNvSpPr>
+          <p:nvPr>
+            <p:ph idx="1"/>
+          </p:nvPr>
+        </p:nvSpPr>
+        <p:spPr/>
+        <p:txBody>
+          <a:bodyPr/>
+          <a:lstStyle/>
+          <a:p>
+            <a:endParaRPr lang="en-US" dirty="0"/>
+          </a:p>
+        </p:txBody>
+      </p:sp>
+    </p:spTree>
+    <p:extLst>
+      <p:ext uri="{BB962C8B-B14F-4D97-AF65-F5344CB8AC3E}">
+        <p14:creationId xmlns:p14="http://schemas.microsoft.com/office/powerpoint/2010/main" val="3186091719"/>
+      </p:ext>
+    </p:extLst>
+  </p:cSld>
+  <p:clrMapOvr>
+    <a:masterClrMapping/>
+  </p:clrMapOvr>
+</p:sld>
+</file>
+
+<file path=ppt/slides/slide13.xml><?xml version="1.0" encoding="utf-8"?>
+<p:sld xmlns:a="http://schemas.openxmlformats.org/drawingml/2006/main" xmlns:r="http://schemas.openxmlformats.org/officeDocument/2006/relationships" xmlns:p="http://schemas.openxmlformats.org/presentationml/2006/main">
+  <p:cSld>
+    <p:spTree>
+      <p:nvGrpSpPr>
+        <p:cNvPr id="1" name=""/>
+        <p:cNvGrpSpPr/>
+        <p:nvPr/>
+      </p:nvGrpSpPr>
+      <p:grpSpPr>
+        <a:xfrm>
+          <a:off x="0" y="0"/>
+          <a:ext cx="0" cy="0"/>
+          <a:chOff x="0" y="0"/>
+          <a:chExt cx="0" cy="0"/>
+        </a:xfrm>
+      </p:grpSpPr>
+      <p:sp>
+        <p:nvSpPr>
+          <p:cNvPr id="2" name="Title 1">
+            <a:extLst>
+              <a:ext uri="{FF2B5EF4-FFF2-40B4-BE49-F238E27FC236}">
+                <a16:creationId xmlns:a16="http://schemas.microsoft.com/office/drawing/2014/main" id="{4191AE35-B4E0-48BB-B0D2-CFB15683AC1F}"/>
+              </a:ext>
+            </a:extLst>
+          </p:cNvPr>
+          <p:cNvSpPr>
+            <a:spLocks noGrp="1"/>
+          </p:cNvSpPr>
+          <p:nvPr>
+            <p:ph type="title"/>
+          </p:nvPr>
+        </p:nvSpPr>
+        <p:spPr/>
+        <p:txBody>
+          <a:bodyPr/>
+          <a:lstStyle/>
+          <a:p>
+            <a:r>
+              <a:rPr lang="en-US" dirty="0"/>
+              <a:t>ForNAV Language module</a:t>
+            </a:r>
+          </a:p>
+        </p:txBody>
+      </p:sp>
+      <p:sp>
+        <p:nvSpPr>
+          <p:cNvPr id="3" name="Content Placeholder 2">
+            <a:extLst>
+              <a:ext uri="{FF2B5EF4-FFF2-40B4-BE49-F238E27FC236}">
+                <a16:creationId xmlns:a16="http://schemas.microsoft.com/office/drawing/2014/main" id="{111E9379-CF32-4676-B143-B4DC104F40DE}"/>
+              </a:ext>
+            </a:extLst>
+          </p:cNvPr>
+          <p:cNvSpPr>
+            <a:spLocks noGrp="1"/>
+          </p:cNvSpPr>
+          <p:nvPr>
+            <p:ph idx="1"/>
+          </p:nvPr>
+        </p:nvSpPr>
+        <p:spPr/>
+        <p:txBody>
+          <a:bodyPr/>
+          <a:lstStyle/>
+          <a:p>
+            <a:endParaRPr lang="en-US" dirty="0"/>
+          </a:p>
+        </p:txBody>
+      </p:sp>
+    </p:spTree>
+    <p:extLst>
+      <p:ext uri="{BB962C8B-B14F-4D97-AF65-F5344CB8AC3E}">
+        <p14:creationId xmlns:p14="http://schemas.microsoft.com/office/powerpoint/2010/main" val="1017501512"/>
+      </p:ext>
+    </p:extLst>
+  </p:cSld>
+  <p:clrMapOvr>
+    <a:masterClrMapping/>
+  </p:clrMapOvr>
+</p:sld>
+</file>
+
+<file path=ppt/slides/slide14.xml><?xml version="1.0" encoding="utf-8"?>
+<p:sld xmlns:a="http://schemas.openxmlformats.org/drawingml/2006/main" xmlns:r="http://schemas.openxmlformats.org/officeDocument/2006/relationships" xmlns:p="http://schemas.openxmlformats.org/presentationml/2006/main">
+  <p:cSld>
+    <p:spTree>
+      <p:nvGrpSpPr>
+        <p:cNvPr id="1" name=""/>
+        <p:cNvGrpSpPr/>
+        <p:nvPr/>
+      </p:nvGrpSpPr>
+      <p:grpSpPr>
+        <a:xfrm>
+          <a:off x="0" y="0"/>
+          <a:ext cx="0" cy="0"/>
+          <a:chOff x="0" y="0"/>
+          <a:chExt cx="0" cy="0"/>
+        </a:xfrm>
+      </p:grpSpPr>
+      <p:sp>
+        <p:nvSpPr>
+          <p:cNvPr id="2" name="Title 1">
+            <a:extLst>
+              <a:ext uri="{FF2B5EF4-FFF2-40B4-BE49-F238E27FC236}">
+                <a16:creationId xmlns:a16="http://schemas.microsoft.com/office/drawing/2014/main" id="{4191AE35-B4E0-48BB-B0D2-CFB15683AC1F}"/>
+              </a:ext>
+            </a:extLst>
+          </p:cNvPr>
+          <p:cNvSpPr>
+            <a:spLocks noGrp="1"/>
+          </p:cNvSpPr>
+          <p:nvPr>
+            <p:ph type="title"/>
+          </p:nvPr>
+        </p:nvSpPr>
+        <p:spPr/>
+        <p:txBody>
+          <a:bodyPr/>
+          <a:lstStyle/>
+          <a:p>
+            <a:r>
+              <a:rPr lang="en-US" dirty="0"/>
+              <a:t>Change fonts and show output</a:t>
+            </a:r>
+          </a:p>
+        </p:txBody>
+      </p:sp>
+      <p:sp>
+        <p:nvSpPr>
+          <p:cNvPr id="3" name="Content Placeholder 2">
+            <a:extLst>
+              <a:ext uri="{FF2B5EF4-FFF2-40B4-BE49-F238E27FC236}">
+                <a16:creationId xmlns:a16="http://schemas.microsoft.com/office/drawing/2014/main" id="{111E9379-CF32-4676-B143-B4DC104F40DE}"/>
+              </a:ext>
+            </a:extLst>
+          </p:cNvPr>
+          <p:cNvSpPr>
+            <a:spLocks noGrp="1"/>
+          </p:cNvSpPr>
+          <p:nvPr>
+            <p:ph idx="1"/>
+          </p:nvPr>
+        </p:nvSpPr>
+        <p:spPr/>
+        <p:txBody>
+          <a:bodyPr/>
+          <a:lstStyle/>
+          <a:p>
+            <a:endParaRPr lang="en-US" dirty="0"/>
+          </a:p>
+        </p:txBody>
+      </p:sp>
+    </p:spTree>
+    <p:extLst>
+      <p:ext uri="{BB962C8B-B14F-4D97-AF65-F5344CB8AC3E}">
+        <p14:creationId xmlns:p14="http://schemas.microsoft.com/office/powerpoint/2010/main" val="986909673"/>
+      </p:ext>
+    </p:extLst>
+  </p:cSld>
+  <p:clrMapOvr>
+    <a:masterClrMapping/>
+  </p:clrMapOvr>
+</p:sld>
+</file>
+
+<file path=ppt/slides/slide15.xml><?xml version="1.0" encoding="utf-8"?>
+<p:sld xmlns:a="http://schemas.openxmlformats.org/drawingml/2006/main" xmlns:r="http://schemas.openxmlformats.org/officeDocument/2006/relationships" xmlns:p="http://schemas.openxmlformats.org/presentationml/2006/main">
+  <p:cSld>
+    <p:spTree>
+      <p:nvGrpSpPr>
+        <p:cNvPr id="1" name=""/>
+        <p:cNvGrpSpPr/>
+        <p:nvPr/>
+      </p:nvGrpSpPr>
+      <p:grpSpPr>
+        <a:xfrm>
+          <a:off x="0" y="0"/>
+          <a:ext cx="0" cy="0"/>
+          <a:chOff x="0" y="0"/>
+          <a:chExt cx="0" cy="0"/>
+        </a:xfrm>
+      </p:grpSpPr>
+      <p:sp>
+        <p:nvSpPr>
+          <p:cNvPr id="2" name="Title 1">
+            <a:extLst>
+              <a:ext uri="{FF2B5EF4-FFF2-40B4-BE49-F238E27FC236}">
+                <a16:creationId xmlns:a16="http://schemas.microsoft.com/office/drawing/2014/main" id="{4191AE35-B4E0-48BB-B0D2-CFB15683AC1F}"/>
+              </a:ext>
+            </a:extLst>
+          </p:cNvPr>
+          <p:cNvSpPr>
+            <a:spLocks noGrp="1"/>
+          </p:cNvSpPr>
+          <p:nvPr>
+            <p:ph type="title"/>
+          </p:nvPr>
+        </p:nvSpPr>
+        <p:spPr/>
+        <p:txBody>
+          <a:bodyPr/>
+          <a:lstStyle/>
+          <a:p>
+            <a:r>
+              <a:rPr lang="en-US" dirty="0"/>
+              <a:t>Adding data from other tables</a:t>
+            </a:r>
+          </a:p>
+        </p:txBody>
+      </p:sp>
+      <p:sp>
+        <p:nvSpPr>
+          <p:cNvPr id="3" name="Content Placeholder 2">
+            <a:extLst>
+              <a:ext uri="{FF2B5EF4-FFF2-40B4-BE49-F238E27FC236}">
+                <a16:creationId xmlns:a16="http://schemas.microsoft.com/office/drawing/2014/main" id="{111E9379-CF32-4676-B143-B4DC104F40DE}"/>
+              </a:ext>
+            </a:extLst>
+          </p:cNvPr>
+          <p:cNvSpPr>
+            <a:spLocks noGrp="1"/>
+          </p:cNvSpPr>
+          <p:nvPr>
+            <p:ph idx="1"/>
+          </p:nvPr>
+        </p:nvSpPr>
+        <p:spPr/>
+        <p:txBody>
+          <a:bodyPr/>
+          <a:lstStyle/>
+          <a:p>
+            <a:endParaRPr lang="en-US" dirty="0"/>
+          </a:p>
+        </p:txBody>
+      </p:sp>
+    </p:spTree>
+    <p:extLst>
+      <p:ext uri="{BB962C8B-B14F-4D97-AF65-F5344CB8AC3E}">
+        <p14:creationId xmlns:p14="http://schemas.microsoft.com/office/powerpoint/2010/main" val="385505130"/>
+      </p:ext>
+    </p:extLst>
+  </p:cSld>
+  <p:clrMapOvr>
+    <a:masterClrMapping/>
+  </p:clrMapOvr>
+</p:sld>
+</file>
+
+<file path=ppt/slides/slide16.xml><?xml version="1.0" encoding="utf-8"?>
+<p:sld xmlns:a="http://schemas.openxmlformats.org/drawingml/2006/main" xmlns:r="http://schemas.openxmlformats.org/officeDocument/2006/relationships" xmlns:p="http://schemas.openxmlformats.org/presentationml/2006/main">
+  <p:cSld>
+    <p:spTree>
+      <p:nvGrpSpPr>
+        <p:cNvPr id="1" name=""/>
+        <p:cNvGrpSpPr/>
+        <p:nvPr/>
+      </p:nvGrpSpPr>
+      <p:grpSpPr>
+        <a:xfrm>
+          <a:off x="0" y="0"/>
+          <a:ext cx="0" cy="0"/>
+          <a:chOff x="0" y="0"/>
+          <a:chExt cx="0" cy="0"/>
+        </a:xfrm>
+      </p:grpSpPr>
+      <p:sp>
+        <p:nvSpPr>
+          <p:cNvPr id="2" name="Title 1">
+            <a:extLst>
+              <a:ext uri="{FF2B5EF4-FFF2-40B4-BE49-F238E27FC236}">
+                <a16:creationId xmlns:a16="http://schemas.microsoft.com/office/drawing/2014/main" id="{4191AE35-B4E0-48BB-B0D2-CFB15683AC1F}"/>
+              </a:ext>
+            </a:extLst>
+          </p:cNvPr>
+          <p:cNvSpPr>
+            <a:spLocks noGrp="1"/>
+          </p:cNvSpPr>
+          <p:nvPr>
+            <p:ph type="title"/>
+          </p:nvPr>
+        </p:nvSpPr>
+        <p:spPr/>
+        <p:txBody>
+          <a:bodyPr/>
+          <a:lstStyle/>
+          <a:p>
+            <a:r>
+              <a:rPr lang="en-US" dirty="0"/>
+              <a:t>Totals and transport</a:t>
+            </a:r>
+          </a:p>
+        </p:txBody>
+      </p:sp>
+      <p:sp>
+        <p:nvSpPr>
+          <p:cNvPr id="3" name="Content Placeholder 2">
+            <a:extLst>
+              <a:ext uri="{FF2B5EF4-FFF2-40B4-BE49-F238E27FC236}">
+                <a16:creationId xmlns:a16="http://schemas.microsoft.com/office/drawing/2014/main" id="{111E9379-CF32-4676-B143-B4DC104F40DE}"/>
+              </a:ext>
+            </a:extLst>
+          </p:cNvPr>
+          <p:cNvSpPr>
+            <a:spLocks noGrp="1"/>
+          </p:cNvSpPr>
+          <p:nvPr>
+            <p:ph idx="1"/>
+          </p:nvPr>
+        </p:nvSpPr>
+        <p:spPr/>
+        <p:txBody>
+          <a:bodyPr/>
+          <a:lstStyle/>
+          <a:p>
+            <a:endParaRPr lang="en-US" dirty="0"/>
+          </a:p>
+        </p:txBody>
+      </p:sp>
+    </p:spTree>
+    <p:extLst>
+      <p:ext uri="{BB962C8B-B14F-4D97-AF65-F5344CB8AC3E}">
+        <p14:creationId xmlns:p14="http://schemas.microsoft.com/office/powerpoint/2010/main" val="986058166"/>
+      </p:ext>
+    </p:extLst>
+  </p:cSld>
+  <p:clrMapOvr>
+    <a:masterClrMapping/>
+  </p:clrMapOvr>
+</p:sld>
+</file>
+
+<file path=ppt/slides/slide17.xml><?xml version="1.0" encoding="utf-8"?>
+<p:sld xmlns:a="http://schemas.openxmlformats.org/drawingml/2006/main" xmlns:r="http://schemas.openxmlformats.org/officeDocument/2006/relationships" xmlns:p="http://schemas.openxmlformats.org/presentationml/2006/main">
+  <p:cSld>
+    <p:spTree>
+      <p:nvGrpSpPr>
+        <p:cNvPr id="1" name=""/>
+        <p:cNvGrpSpPr/>
+        <p:nvPr/>
+      </p:nvGrpSpPr>
+      <p:grpSpPr>
+        <a:xfrm>
+          <a:off x="0" y="0"/>
+          <a:ext cx="0" cy="0"/>
+          <a:chOff x="0" y="0"/>
+          <a:chExt cx="0" cy="0"/>
+        </a:xfrm>
+      </p:grpSpPr>
+      <p:sp>
+        <p:nvSpPr>
+          <p:cNvPr id="2" name="Title 1">
+            <a:extLst>
+              <a:ext uri="{FF2B5EF4-FFF2-40B4-BE49-F238E27FC236}">
+                <a16:creationId xmlns:a16="http://schemas.microsoft.com/office/drawing/2014/main" id="{4191AE35-B4E0-48BB-B0D2-CFB15683AC1F}"/>
+              </a:ext>
+            </a:extLst>
+          </p:cNvPr>
+          <p:cNvSpPr>
+            <a:spLocks noGrp="1"/>
+          </p:cNvSpPr>
+          <p:nvPr>
+            <p:ph type="title"/>
+          </p:nvPr>
+        </p:nvSpPr>
+        <p:spPr/>
+        <p:txBody>
+          <a:bodyPr/>
+          <a:lstStyle/>
+          <a:p>
+            <a:r>
+              <a:rPr lang="en-US" dirty="0"/>
+              <a:t>Adding DataItems</a:t>
+            </a:r>
+          </a:p>
+        </p:txBody>
+      </p:sp>
+      <p:sp>
+        <p:nvSpPr>
+          <p:cNvPr id="3" name="Content Placeholder 2">
+            <a:extLst>
+              <a:ext uri="{FF2B5EF4-FFF2-40B4-BE49-F238E27FC236}">
+                <a16:creationId xmlns:a16="http://schemas.microsoft.com/office/drawing/2014/main" id="{111E9379-CF32-4676-B143-B4DC104F40DE}"/>
+              </a:ext>
+            </a:extLst>
+          </p:cNvPr>
+          <p:cNvSpPr>
+            <a:spLocks noGrp="1"/>
+          </p:cNvSpPr>
+          <p:nvPr>
+            <p:ph idx="1"/>
+          </p:nvPr>
+        </p:nvSpPr>
+        <p:spPr/>
+        <p:txBody>
+          <a:bodyPr/>
+          <a:lstStyle/>
+          <a:p>
+            <a:endParaRPr lang="en-US" dirty="0"/>
+          </a:p>
+        </p:txBody>
+      </p:sp>
+    </p:spTree>
+    <p:extLst>
+      <p:ext uri="{BB962C8B-B14F-4D97-AF65-F5344CB8AC3E}">
+        <p14:creationId xmlns:p14="http://schemas.microsoft.com/office/powerpoint/2010/main" val="386857484"/>
+      </p:ext>
+    </p:extLst>
+  </p:cSld>
+  <p:clrMapOvr>
+    <a:masterClrMapping/>
+  </p:clrMapOvr>
+</p:sld>
+</file>
+
+<file path=ppt/slides/slide18.xml><?xml version="1.0" encoding="utf-8"?>
+<p:sld xmlns:a="http://schemas.openxmlformats.org/drawingml/2006/main" xmlns:r="http://schemas.openxmlformats.org/officeDocument/2006/relationships" xmlns:p="http://schemas.openxmlformats.org/presentationml/2006/main">
+  <p:cSld>
+    <p:spTree>
+      <p:nvGrpSpPr>
+        <p:cNvPr id="1" name=""/>
+        <p:cNvGrpSpPr/>
+        <p:nvPr/>
+      </p:nvGrpSpPr>
+      <p:grpSpPr>
+        <a:xfrm>
+          <a:off x="0" y="0"/>
+          <a:ext cx="0" cy="0"/>
+          <a:chOff x="0" y="0"/>
+          <a:chExt cx="0" cy="0"/>
+        </a:xfrm>
+      </p:grpSpPr>
+      <p:sp>
+        <p:nvSpPr>
+          <p:cNvPr id="2" name="Title 1">
+            <a:extLst>
+              <a:ext uri="{FF2B5EF4-FFF2-40B4-BE49-F238E27FC236}">
+                <a16:creationId xmlns:a16="http://schemas.microsoft.com/office/drawing/2014/main" id="{4191AE35-B4E0-48BB-B0D2-CFB15683AC1F}"/>
+              </a:ext>
+            </a:extLst>
+          </p:cNvPr>
+          <p:cNvSpPr>
+            <a:spLocks noGrp="1"/>
+          </p:cNvSpPr>
+          <p:nvPr>
+            <p:ph type="title"/>
+          </p:nvPr>
+        </p:nvSpPr>
+        <p:spPr/>
+        <p:txBody>
+          <a:bodyPr/>
+          <a:lstStyle/>
+          <a:p>
+            <a:r>
+              <a:rPr lang="en-US" dirty="0" err="1"/>
+              <a:t>Grouptotals</a:t>
+            </a:r>
+            <a:endParaRPr lang="en-US" dirty="0"/>
+          </a:p>
+        </p:txBody>
+      </p:sp>
+      <p:sp>
+        <p:nvSpPr>
+          <p:cNvPr id="3" name="Content Placeholder 2">
+            <a:extLst>
+              <a:ext uri="{FF2B5EF4-FFF2-40B4-BE49-F238E27FC236}">
+                <a16:creationId xmlns:a16="http://schemas.microsoft.com/office/drawing/2014/main" id="{111E9379-CF32-4676-B143-B4DC104F40DE}"/>
+              </a:ext>
+            </a:extLst>
+          </p:cNvPr>
+          <p:cNvSpPr>
+            <a:spLocks noGrp="1"/>
+          </p:cNvSpPr>
+          <p:nvPr>
+            <p:ph idx="1"/>
+          </p:nvPr>
+        </p:nvSpPr>
+        <p:spPr/>
+        <p:txBody>
+          <a:bodyPr/>
+          <a:lstStyle/>
+          <a:p>
+            <a:endParaRPr lang="en-US" dirty="0"/>
+          </a:p>
+        </p:txBody>
+      </p:sp>
+    </p:spTree>
+    <p:extLst>
+      <p:ext uri="{BB962C8B-B14F-4D97-AF65-F5344CB8AC3E}">
+        <p14:creationId xmlns:p14="http://schemas.microsoft.com/office/powerpoint/2010/main" val="3218771041"/>
+      </p:ext>
+    </p:extLst>
+  </p:cSld>
+  <p:clrMapOvr>
+    <a:masterClrMapping/>
+  </p:clrMapOvr>
+</p:sld>
+</file>
+
+<file path=ppt/slides/slide19.xml><?xml version="1.0" encoding="utf-8"?>
+<p:sld xmlns:a="http://schemas.openxmlformats.org/drawingml/2006/main" xmlns:r="http://schemas.openxmlformats.org/officeDocument/2006/relationships" xmlns:p="http://schemas.openxmlformats.org/presentationml/2006/main">
+  <p:cSld>
+    <p:spTree>
+      <p:nvGrpSpPr>
+        <p:cNvPr id="1" name=""/>
+        <p:cNvGrpSpPr/>
+        <p:nvPr/>
+      </p:nvGrpSpPr>
+      <p:grpSpPr>
+        <a:xfrm>
+          <a:off x="0" y="0"/>
+          <a:ext cx="0" cy="0"/>
+          <a:chOff x="0" y="0"/>
+          <a:chExt cx="0" cy="0"/>
+        </a:xfrm>
+      </p:grpSpPr>
+      <p:sp>
+        <p:nvSpPr>
+          <p:cNvPr id="2" name="Title 1">
+            <a:extLst>
+              <a:ext uri="{FF2B5EF4-FFF2-40B4-BE49-F238E27FC236}">
+                <a16:creationId xmlns:a16="http://schemas.microsoft.com/office/drawing/2014/main" id="{4191AE35-B4E0-48BB-B0D2-CFB15683AC1F}"/>
+              </a:ext>
+            </a:extLst>
+          </p:cNvPr>
+          <p:cNvSpPr>
+            <a:spLocks noGrp="1"/>
+          </p:cNvSpPr>
+          <p:nvPr>
+            <p:ph type="title"/>
+          </p:nvPr>
+        </p:nvSpPr>
+        <p:spPr/>
+        <p:txBody>
+          <a:bodyPr/>
+          <a:lstStyle/>
+          <a:p>
+            <a:r>
+              <a:rPr lang="en-US" dirty="0"/>
+              <a:t>Create a new report</a:t>
+            </a:r>
+          </a:p>
+        </p:txBody>
+      </p:sp>
+      <p:sp>
+        <p:nvSpPr>
+          <p:cNvPr id="3" name="Content Placeholder 2">
+            <a:extLst>
+              <a:ext uri="{FF2B5EF4-FFF2-40B4-BE49-F238E27FC236}">
+                <a16:creationId xmlns:a16="http://schemas.microsoft.com/office/drawing/2014/main" id="{111E9379-CF32-4676-B143-B4DC104F40DE}"/>
+              </a:ext>
+            </a:extLst>
+          </p:cNvPr>
+          <p:cNvSpPr>
+            <a:spLocks noGrp="1"/>
+          </p:cNvSpPr>
+          <p:nvPr>
+            <p:ph idx="1"/>
+          </p:nvPr>
+        </p:nvSpPr>
+        <p:spPr/>
+        <p:txBody>
+          <a:bodyPr/>
+          <a:lstStyle/>
+          <a:p>
+            <a:endParaRPr lang="en-US" dirty="0"/>
+          </a:p>
+        </p:txBody>
+      </p:sp>
+    </p:spTree>
+    <p:extLst>
+      <p:ext uri="{BB962C8B-B14F-4D97-AF65-F5344CB8AC3E}">
+        <p14:creationId xmlns:p14="http://schemas.microsoft.com/office/powerpoint/2010/main" val="3645461283"/>
+      </p:ext>
+    </p:extLst>
+  </p:cSld>
+  <p:clrMapOvr>
+    <a:masterClrMapping/>
+  </p:clrMapOvr>
+</p:sld>
+</file>
+
 <file path=ppt/slides/slide2.xml><?xml version="1.0" encoding="utf-8"?>
 <p:sld xmlns:a="http://schemas.openxmlformats.org/drawingml/2006/main" xmlns:r="http://schemas.openxmlformats.org/officeDocument/2006/relationships" xmlns:p="http://schemas.openxmlformats.org/presentationml/2006/main">
   <p:cSld>
@@ -5502,40 +6349,314 @@
           </a:p>
         </p:txBody>
       </p:sp>
-      <p:pic>
-        <p:nvPicPr>
-          <p:cNvPr id="3" name="Picture 2">
+      <p:sp>
+        <p:nvSpPr>
+          <p:cNvPr id="2" name="TextBox 1">
             <a:extLst>
               <a:ext uri="{FF2B5EF4-FFF2-40B4-BE49-F238E27FC236}">
-                <a16:creationId xmlns:a16="http://schemas.microsoft.com/office/drawing/2014/main" id="{D98280F0-6C70-46AC-86C6-4B2E62DD3C3A}"/>
+                <a16:creationId xmlns:a16="http://schemas.microsoft.com/office/drawing/2014/main" id="{E5E2EB6C-1211-455A-9943-AD8EDA5E3475}"/>
               </a:ext>
             </a:extLst>
           </p:cNvPr>
-          <p:cNvPicPr>
-            <a:picLocks noChangeAspect="1"/>
-          </p:cNvPicPr>
+          <p:cNvSpPr txBox="1"/>
           <p:nvPr/>
-        </p:nvPicPr>
-        <p:blipFill>
-          <a:blip r:embed="rId3"/>
-          <a:stretch>
-            <a:fillRect/>
-          </a:stretch>
-        </p:blipFill>
+        </p:nvSpPr>
         <p:spPr>
           <a:xfrm>
-            <a:off x="1463488" y="1311533"/>
-            <a:ext cx="9265024" cy="4672799"/>
+            <a:off x="536294" y="1582340"/>
+            <a:ext cx="4892233" cy="3139321"/>
           </a:xfrm>
           <a:prstGeom prst="rect">
             <a:avLst/>
           </a:prstGeom>
+          <a:noFill/>
         </p:spPr>
-      </p:pic>
+        <p:txBody>
+          <a:bodyPr wrap="square" rtlCol="0">
+            <a:spAutoFit/>
+          </a:bodyPr>
+          <a:lstStyle/>
+          <a:p>
+            <a:r>
+              <a:rPr lang="en-US" dirty="0">
+                <a:solidFill>
+                  <a:srgbClr val="E64215"/>
+                </a:solidFill>
+              </a:rPr>
+              <a:t>Session 1</a:t>
+            </a:r>
+          </a:p>
+          <a:p>
+            <a:r>
+              <a:rPr lang="en-US" dirty="0"/>
+              <a:t>- Setup</a:t>
+            </a:r>
+          </a:p>
+          <a:p>
+            <a:r>
+              <a:rPr lang="en-US" dirty="0"/>
+              <a:t>- Edit your first report</a:t>
+            </a:r>
+          </a:p>
+          <a:p>
+            <a:r>
+              <a:rPr lang="en-US" dirty="0"/>
+              <a:t>- Designer deep dive</a:t>
+            </a:r>
+          </a:p>
+          <a:p>
+            <a:r>
+              <a:rPr lang="en-US" dirty="0">
+                <a:solidFill>
+                  <a:srgbClr val="E64215"/>
+                </a:solidFill>
+              </a:rPr>
+              <a:t>Session 2</a:t>
+            </a:r>
+          </a:p>
+          <a:p>
+            <a:r>
+              <a:rPr lang="en-US" dirty="0"/>
+              <a:t>- Custom report layouts</a:t>
+            </a:r>
+          </a:p>
+          <a:p>
+            <a:r>
+              <a:rPr lang="en-US" dirty="0"/>
+              <a:t>- Templates</a:t>
+            </a:r>
+          </a:p>
+          <a:p>
+            <a:r>
+              <a:rPr lang="en-US" dirty="0">
+                <a:solidFill>
+                  <a:srgbClr val="E64215"/>
+                </a:solidFill>
+              </a:rPr>
+              <a:t>Session 3</a:t>
+            </a:r>
+          </a:p>
+          <a:p>
+            <a:r>
+              <a:rPr lang="en-US" dirty="0"/>
+              <a:t>- Multilanguage</a:t>
+            </a:r>
+          </a:p>
+          <a:p>
+            <a:r>
+              <a:rPr lang="en-US" dirty="0"/>
+              <a:t>- ForNAV Language module</a:t>
+            </a:r>
+          </a:p>
+          <a:p>
+            <a:r>
+              <a:rPr lang="en-US" dirty="0"/>
+              <a:t>- Change of fonts and show output</a:t>
+            </a:r>
+            <a:endParaRPr lang="en-NL" dirty="0"/>
+          </a:p>
+        </p:txBody>
+      </p:sp>
+      <p:sp>
+        <p:nvSpPr>
+          <p:cNvPr id="5" name="TextBox 4">
+            <a:extLst>
+              <a:ext uri="{FF2B5EF4-FFF2-40B4-BE49-F238E27FC236}">
+                <a16:creationId xmlns:a16="http://schemas.microsoft.com/office/drawing/2014/main" id="{CA6AB51D-4689-434D-91B8-A02EE555C148}"/>
+              </a:ext>
+            </a:extLst>
+          </p:cNvPr>
+          <p:cNvSpPr txBox="1"/>
+          <p:nvPr/>
+        </p:nvSpPr>
+        <p:spPr>
+          <a:xfrm>
+            <a:off x="5730433" y="1690688"/>
+            <a:ext cx="4892233" cy="2862322"/>
+          </a:xfrm>
+          <a:prstGeom prst="rect">
+            <a:avLst/>
+          </a:prstGeom>
+          <a:noFill/>
+        </p:spPr>
+        <p:txBody>
+          <a:bodyPr wrap="square" rtlCol="0">
+            <a:spAutoFit/>
+          </a:bodyPr>
+          <a:lstStyle/>
+          <a:p>
+            <a:r>
+              <a:rPr lang="en-US" dirty="0">
+                <a:solidFill>
+                  <a:srgbClr val="E64215"/>
+                </a:solidFill>
+              </a:rPr>
+              <a:t>Session 4</a:t>
+            </a:r>
+          </a:p>
+          <a:p>
+            <a:r>
+              <a:rPr lang="en-US" dirty="0"/>
+              <a:t>- Adding data from other tables</a:t>
+            </a:r>
+          </a:p>
+          <a:p>
+            <a:r>
+              <a:rPr lang="en-US" dirty="0"/>
+              <a:t>- Totals and transheaders and -footers</a:t>
+            </a:r>
+          </a:p>
+          <a:p>
+            <a:r>
+              <a:rPr lang="en-US" dirty="0">
+                <a:solidFill>
+                  <a:srgbClr val="E64215"/>
+                </a:solidFill>
+              </a:rPr>
+              <a:t>Session 5</a:t>
+            </a:r>
+          </a:p>
+          <a:p>
+            <a:r>
+              <a:rPr lang="en-US" dirty="0"/>
+              <a:t>- Add DataItems</a:t>
+            </a:r>
+          </a:p>
+          <a:p>
+            <a:r>
+              <a:rPr lang="en-US" dirty="0"/>
+              <a:t>- </a:t>
+            </a:r>
+            <a:r>
+              <a:rPr lang="en-US" dirty="0" err="1"/>
+              <a:t>Groupheaders</a:t>
+            </a:r>
+            <a:r>
+              <a:rPr lang="en-US" dirty="0"/>
+              <a:t> and -footers</a:t>
+            </a:r>
+          </a:p>
+          <a:p>
+            <a:r>
+              <a:rPr lang="en-US" dirty="0">
+                <a:solidFill>
+                  <a:srgbClr val="E64215"/>
+                </a:solidFill>
+              </a:rPr>
+              <a:t>Session 6</a:t>
+            </a:r>
+          </a:p>
+          <a:p>
+            <a:r>
+              <a:rPr lang="en-US" dirty="0"/>
+              <a:t>- Create new reports</a:t>
+            </a:r>
+          </a:p>
+          <a:p>
+            <a:r>
+              <a:rPr lang="en-US" dirty="0">
+                <a:solidFill>
+                  <a:srgbClr val="E64215"/>
+                </a:solidFill>
+              </a:rPr>
+              <a:t>Session 7</a:t>
+            </a:r>
+          </a:p>
+          <a:p>
+            <a:r>
+              <a:rPr lang="en-US" dirty="0"/>
+              <a:t>- Recap and last questions</a:t>
+            </a:r>
+          </a:p>
+        </p:txBody>
+      </p:sp>
     </p:spTree>
     <p:extLst>
       <p:ext uri="{BB962C8B-B14F-4D97-AF65-F5344CB8AC3E}">
         <p14:creationId xmlns:p14="http://schemas.microsoft.com/office/powerpoint/2010/main" val="2725711140"/>
+      </p:ext>
+    </p:extLst>
+  </p:cSld>
+  <p:clrMapOvr>
+    <a:masterClrMapping/>
+  </p:clrMapOvr>
+</p:sld>
+</file>
+
+<file path=ppt/slides/slide20.xml><?xml version="1.0" encoding="utf-8"?>
+<p:sld xmlns:a="http://schemas.openxmlformats.org/drawingml/2006/main" xmlns:r="http://schemas.openxmlformats.org/officeDocument/2006/relationships" xmlns:p="http://schemas.openxmlformats.org/presentationml/2006/main">
+  <p:cSld>
+    <p:spTree>
+      <p:nvGrpSpPr>
+        <p:cNvPr id="1" name=""/>
+        <p:cNvGrpSpPr/>
+        <p:nvPr/>
+      </p:nvGrpSpPr>
+      <p:grpSpPr>
+        <a:xfrm>
+          <a:off x="0" y="0"/>
+          <a:ext cx="0" cy="0"/>
+          <a:chOff x="0" y="0"/>
+          <a:chExt cx="0" cy="0"/>
+        </a:xfrm>
+      </p:grpSpPr>
+      <p:sp>
+        <p:nvSpPr>
+          <p:cNvPr id="2" name="Title 1">
+            <a:extLst>
+              <a:ext uri="{FF2B5EF4-FFF2-40B4-BE49-F238E27FC236}">
+                <a16:creationId xmlns:a16="http://schemas.microsoft.com/office/drawing/2014/main" id="{4191AE35-B4E0-48BB-B0D2-CFB15683AC1F}"/>
+              </a:ext>
+            </a:extLst>
+          </p:cNvPr>
+          <p:cNvSpPr>
+            <a:spLocks noGrp="1"/>
+          </p:cNvSpPr>
+          <p:nvPr>
+            <p:ph type="title"/>
+          </p:nvPr>
+        </p:nvSpPr>
+        <p:spPr/>
+        <p:txBody>
+          <a:bodyPr/>
+          <a:lstStyle/>
+          <a:p>
+            <a:r>
+              <a:rPr lang="en-US" dirty="0"/>
+              <a:t>Recap and last questions</a:t>
+            </a:r>
+          </a:p>
+        </p:txBody>
+      </p:sp>
+      <p:sp>
+        <p:nvSpPr>
+          <p:cNvPr id="3" name="Content Placeholder 2">
+            <a:extLst>
+              <a:ext uri="{FF2B5EF4-FFF2-40B4-BE49-F238E27FC236}">
+                <a16:creationId xmlns:a16="http://schemas.microsoft.com/office/drawing/2014/main" id="{111E9379-CF32-4676-B143-B4DC104F40DE}"/>
+              </a:ext>
+            </a:extLst>
+          </p:cNvPr>
+          <p:cNvSpPr>
+            <a:spLocks noGrp="1"/>
+          </p:cNvSpPr>
+          <p:nvPr>
+            <p:ph idx="1"/>
+          </p:nvPr>
+        </p:nvSpPr>
+        <p:spPr/>
+        <p:txBody>
+          <a:bodyPr/>
+          <a:lstStyle/>
+          <a:p>
+            <a:endParaRPr lang="en-US" dirty="0"/>
+          </a:p>
+        </p:txBody>
+      </p:sp>
+    </p:spTree>
+    <p:extLst>
+      <p:ext uri="{BB962C8B-B14F-4D97-AF65-F5344CB8AC3E}">
+        <p14:creationId xmlns:p14="http://schemas.microsoft.com/office/powerpoint/2010/main" val="3913464533"/>
       </p:ext>
     </p:extLst>
   </p:cSld>
@@ -5753,6 +6874,572 @@
     <p:extLst>
       <p:ext uri="{BB962C8B-B14F-4D97-AF65-F5344CB8AC3E}">
         <p14:creationId xmlns:p14="http://schemas.microsoft.com/office/powerpoint/2010/main" val="848123191"/>
+      </p:ext>
+    </p:extLst>
+  </p:cSld>
+  <p:clrMapOvr>
+    <a:masterClrMapping/>
+  </p:clrMapOvr>
+</p:sld>
+</file>
+
+<file path=ppt/slides/slide5.xml><?xml version="1.0" encoding="utf-8"?>
+<p:sld xmlns:a="http://schemas.openxmlformats.org/drawingml/2006/main" xmlns:r="http://schemas.openxmlformats.org/officeDocument/2006/relationships" xmlns:p="http://schemas.openxmlformats.org/presentationml/2006/main">
+  <p:cSld>
+    <p:spTree>
+      <p:nvGrpSpPr>
+        <p:cNvPr id="1" name=""/>
+        <p:cNvGrpSpPr/>
+        <p:nvPr/>
+      </p:nvGrpSpPr>
+      <p:grpSpPr>
+        <a:xfrm>
+          <a:off x="0" y="0"/>
+          <a:ext cx="0" cy="0"/>
+          <a:chOff x="0" y="0"/>
+          <a:chExt cx="0" cy="0"/>
+        </a:xfrm>
+      </p:grpSpPr>
+      <p:sp>
+        <p:nvSpPr>
+          <p:cNvPr id="2" name="Title 1">
+            <a:extLst>
+              <a:ext uri="{FF2B5EF4-FFF2-40B4-BE49-F238E27FC236}">
+                <a16:creationId xmlns:a16="http://schemas.microsoft.com/office/drawing/2014/main" id="{BED3F300-49B7-4103-9334-C51B45318A4E}"/>
+              </a:ext>
+            </a:extLst>
+          </p:cNvPr>
+          <p:cNvSpPr>
+            <a:spLocks noGrp="1"/>
+          </p:cNvSpPr>
+          <p:nvPr>
+            <p:ph type="title"/>
+          </p:nvPr>
+        </p:nvSpPr>
+        <p:spPr/>
+        <p:txBody>
+          <a:bodyPr/>
+          <a:lstStyle/>
+          <a:p>
+            <a:r>
+              <a:rPr lang="en-GB" dirty="0"/>
+              <a:t>Resources</a:t>
+            </a:r>
+            <a:endParaRPr lang="en-NL" dirty="0"/>
+          </a:p>
+        </p:txBody>
+      </p:sp>
+      <p:sp>
+        <p:nvSpPr>
+          <p:cNvPr id="3" name="Content Placeholder 2">
+            <a:extLst>
+              <a:ext uri="{FF2B5EF4-FFF2-40B4-BE49-F238E27FC236}">
+                <a16:creationId xmlns:a16="http://schemas.microsoft.com/office/drawing/2014/main" id="{E38794F5-D45F-4B5B-8F77-5057324C91C5}"/>
+              </a:ext>
+            </a:extLst>
+          </p:cNvPr>
+          <p:cNvSpPr>
+            <a:spLocks noGrp="1"/>
+          </p:cNvSpPr>
+          <p:nvPr>
+            <p:ph idx="1"/>
+          </p:nvPr>
+        </p:nvSpPr>
+        <p:spPr/>
+        <p:txBody>
+          <a:bodyPr/>
+          <a:lstStyle/>
+          <a:p>
+            <a:r>
+              <a:rPr lang="nl-NL" dirty="0">
+                <a:hlinkClick r:id="rId2"/>
+              </a:rPr>
+              <a:t>https://www.fornav.com/</a:t>
+            </a:r>
+            <a:r>
+              <a:rPr lang="nl-NL" dirty="0"/>
+              <a:t> </a:t>
+            </a:r>
+          </a:p>
+          <a:p>
+            <a:r>
+              <a:rPr lang="nl-NL" dirty="0">
+                <a:hlinkClick r:id="rId3"/>
+              </a:rPr>
+              <a:t>https://www.fornav.com/category/knowledge-base/</a:t>
+            </a:r>
+            <a:r>
+              <a:rPr lang="nl-NL" dirty="0"/>
+              <a:t> </a:t>
+            </a:r>
+          </a:p>
+          <a:p>
+            <a:r>
+              <a:rPr lang="nl-NL" dirty="0">
+                <a:hlinkClick r:id="rId4"/>
+              </a:rPr>
+              <a:t>https://www.youtube.com/channel/UCTcQJnsDioqwtpsFmMPu1rw</a:t>
+            </a:r>
+            <a:r>
+              <a:rPr lang="nl-NL" dirty="0"/>
+              <a:t> </a:t>
+            </a:r>
+          </a:p>
+          <a:p>
+            <a:r>
+              <a:rPr lang="nl-NL" dirty="0">
+                <a:hlinkClick r:id="rId5"/>
+              </a:rPr>
+              <a:t>https://github.com/RedAndBundle/ForNAVSupport/issues</a:t>
+            </a:r>
+            <a:r>
+              <a:rPr lang="nl-NL" dirty="0"/>
+              <a:t> </a:t>
+            </a:r>
+          </a:p>
+          <a:p>
+            <a:r>
+              <a:rPr lang="nl-NL" dirty="0">
+                <a:hlinkClick r:id="rId6"/>
+              </a:rPr>
+              <a:t>support@fornav.com</a:t>
+            </a:r>
+            <a:r>
+              <a:rPr lang="nl-NL" dirty="0"/>
+              <a:t> </a:t>
+            </a:r>
+            <a:endParaRPr lang="en-NL" dirty="0"/>
+          </a:p>
+        </p:txBody>
+      </p:sp>
+    </p:spTree>
+    <p:extLst>
+      <p:ext uri="{BB962C8B-B14F-4D97-AF65-F5344CB8AC3E}">
+        <p14:creationId xmlns:p14="http://schemas.microsoft.com/office/powerpoint/2010/main" val="3202256976"/>
+      </p:ext>
+    </p:extLst>
+  </p:cSld>
+  <p:clrMapOvr>
+    <a:masterClrMapping/>
+  </p:clrMapOvr>
+</p:sld>
+</file>
+
+<file path=ppt/slides/slide6.xml><?xml version="1.0" encoding="utf-8"?>
+<p:sld xmlns:a="http://schemas.openxmlformats.org/drawingml/2006/main" xmlns:r="http://schemas.openxmlformats.org/officeDocument/2006/relationships" xmlns:p="http://schemas.openxmlformats.org/presentationml/2006/main">
+  <p:cSld>
+    <p:spTree>
+      <p:nvGrpSpPr>
+        <p:cNvPr id="1" name=""/>
+        <p:cNvGrpSpPr/>
+        <p:nvPr/>
+      </p:nvGrpSpPr>
+      <p:grpSpPr>
+        <a:xfrm>
+          <a:off x="0" y="0"/>
+          <a:ext cx="0" cy="0"/>
+          <a:chOff x="0" y="0"/>
+          <a:chExt cx="0" cy="0"/>
+        </a:xfrm>
+      </p:grpSpPr>
+      <p:pic>
+        <p:nvPicPr>
+          <p:cNvPr id="7" name="Graphic 6" descr="Puzzle pieces">
+            <a:extLst>
+              <a:ext uri="{FF2B5EF4-FFF2-40B4-BE49-F238E27FC236}">
+                <a16:creationId xmlns:a16="http://schemas.microsoft.com/office/drawing/2014/main" id="{3B8A8CEA-43FE-4A37-9FF5-A726721083A0}"/>
+              </a:ext>
+            </a:extLst>
+          </p:cNvPr>
+          <p:cNvPicPr>
+            <a:picLocks noChangeAspect="1"/>
+          </p:cNvPicPr>
+          <p:nvPr/>
+        </p:nvPicPr>
+        <p:blipFill>
+          <a:blip r:embed="rId2">
+            <a:extLst>
+              <a:ext uri="{28A0092B-C50C-407E-A947-70E740481C1C}">
+                <a14:useLocalDpi xmlns:a14="http://schemas.microsoft.com/office/drawing/2010/main" val="0"/>
+              </a:ext>
+              <a:ext uri="{96DAC541-7B7A-43D3-8B79-37D633B846F1}">
+                <asvg:svgBlip xmlns:asvg="http://schemas.microsoft.com/office/drawing/2016/SVG/main" r:embed="rId3"/>
+              </a:ext>
+            </a:extLst>
+          </a:blip>
+          <a:stretch>
+            <a:fillRect/>
+          </a:stretch>
+        </p:blipFill>
+        <p:spPr>
+          <a:xfrm>
+            <a:off x="3855364" y="2936254"/>
+            <a:ext cx="2315183" cy="2315183"/>
+          </a:xfrm>
+          <a:prstGeom prst="rect">
+            <a:avLst/>
+          </a:prstGeom>
+        </p:spPr>
+      </p:pic>
+      <p:sp>
+        <p:nvSpPr>
+          <p:cNvPr id="2" name="Title 1">
+            <a:extLst>
+              <a:ext uri="{FF2B5EF4-FFF2-40B4-BE49-F238E27FC236}">
+                <a16:creationId xmlns:a16="http://schemas.microsoft.com/office/drawing/2014/main" id="{E85B5CC3-91F1-405E-A2A8-96A2CD36AB9A}"/>
+              </a:ext>
+            </a:extLst>
+          </p:cNvPr>
+          <p:cNvSpPr>
+            <a:spLocks noGrp="1"/>
+          </p:cNvSpPr>
+          <p:nvPr>
+            <p:ph type="title"/>
+          </p:nvPr>
+        </p:nvSpPr>
+        <p:spPr/>
+        <p:txBody>
+          <a:bodyPr/>
+          <a:lstStyle/>
+          <a:p>
+            <a:r>
+              <a:rPr lang="en-US" dirty="0"/>
+              <a:t>Questions?</a:t>
+            </a:r>
+          </a:p>
+        </p:txBody>
+      </p:sp>
+      <p:pic>
+        <p:nvPicPr>
+          <p:cNvPr id="5" name="Graphic 4" descr="Thought bubble">
+            <a:extLst>
+              <a:ext uri="{FF2B5EF4-FFF2-40B4-BE49-F238E27FC236}">
+                <a16:creationId xmlns:a16="http://schemas.microsoft.com/office/drawing/2014/main" id="{1D8FD0A6-3111-42FC-B746-BC6588269D03}"/>
+              </a:ext>
+            </a:extLst>
+          </p:cNvPr>
+          <p:cNvPicPr>
+            <a:picLocks noChangeAspect="1"/>
+          </p:cNvPicPr>
+          <p:nvPr/>
+        </p:nvPicPr>
+        <p:blipFill>
+          <a:blip r:embed="rId4">
+            <a:extLst>
+              <a:ext uri="{28A0092B-C50C-407E-A947-70E740481C1C}">
+                <a14:useLocalDpi xmlns:a14="http://schemas.microsoft.com/office/drawing/2010/main" val="0"/>
+              </a:ext>
+              <a:ext uri="{96DAC541-7B7A-43D3-8B79-37D633B846F1}">
+                <asvg:svgBlip xmlns:asvg="http://schemas.microsoft.com/office/drawing/2016/SVG/main" r:embed="rId5"/>
+              </a:ext>
+            </a:extLst>
+          </a:blip>
+          <a:stretch>
+            <a:fillRect/>
+          </a:stretch>
+        </p:blipFill>
+        <p:spPr>
+          <a:xfrm>
+            <a:off x="5166977" y="458541"/>
+            <a:ext cx="3500368" cy="3500368"/>
+          </a:xfrm>
+          <a:prstGeom prst="rect">
+            <a:avLst/>
+          </a:prstGeom>
+        </p:spPr>
+      </p:pic>
+      <p:pic>
+        <p:nvPicPr>
+          <p:cNvPr id="13" name="Graphic 12" descr="Question mark">
+            <a:extLst>
+              <a:ext uri="{FF2B5EF4-FFF2-40B4-BE49-F238E27FC236}">
+                <a16:creationId xmlns:a16="http://schemas.microsoft.com/office/drawing/2014/main" id="{59457B94-F07A-4507-AA9B-C9A335B32C2E}"/>
+              </a:ext>
+            </a:extLst>
+          </p:cNvPr>
+          <p:cNvPicPr>
+            <a:picLocks noChangeAspect="1"/>
+          </p:cNvPicPr>
+          <p:nvPr/>
+        </p:nvPicPr>
+        <p:blipFill>
+          <a:blip r:embed="rId6">
+            <a:extLst>
+              <a:ext uri="{28A0092B-C50C-407E-A947-70E740481C1C}">
+                <a14:useLocalDpi xmlns:a14="http://schemas.microsoft.com/office/drawing/2010/main" val="0"/>
+              </a:ext>
+              <a:ext uri="{96DAC541-7B7A-43D3-8B79-37D633B846F1}">
+                <asvg:svgBlip xmlns:asvg="http://schemas.microsoft.com/office/drawing/2016/SVG/main" r:embed="rId7"/>
+              </a:ext>
+            </a:extLst>
+          </a:blip>
+          <a:stretch>
+            <a:fillRect/>
+          </a:stretch>
+        </p:blipFill>
+        <p:spPr>
+          <a:xfrm>
+            <a:off x="6144209" y="1145483"/>
+            <a:ext cx="1545903" cy="1545903"/>
+          </a:xfrm>
+          <a:prstGeom prst="rect">
+            <a:avLst/>
+          </a:prstGeom>
+        </p:spPr>
+      </p:pic>
+    </p:spTree>
+    <p:extLst>
+      <p:ext uri="{BB962C8B-B14F-4D97-AF65-F5344CB8AC3E}">
+        <p14:creationId xmlns:p14="http://schemas.microsoft.com/office/powerpoint/2010/main" val="1260071672"/>
+      </p:ext>
+    </p:extLst>
+  </p:cSld>
+  <p:clrMapOvr>
+    <a:masterClrMapping/>
+  </p:clrMapOvr>
+</p:sld>
+</file>
+
+<file path=ppt/slides/slide7.xml><?xml version="1.0" encoding="utf-8"?>
+<p:sld xmlns:a="http://schemas.openxmlformats.org/drawingml/2006/main" xmlns:r="http://schemas.openxmlformats.org/officeDocument/2006/relationships" xmlns:p="http://schemas.openxmlformats.org/presentationml/2006/main">
+  <p:cSld>
+    <p:spTree>
+      <p:nvGrpSpPr>
+        <p:cNvPr id="1" name=""/>
+        <p:cNvGrpSpPr/>
+        <p:nvPr/>
+      </p:nvGrpSpPr>
+      <p:grpSpPr>
+        <a:xfrm>
+          <a:off x="0" y="0"/>
+          <a:ext cx="0" cy="0"/>
+          <a:chOff x="0" y="0"/>
+          <a:chExt cx="0" cy="0"/>
+        </a:xfrm>
+      </p:grpSpPr>
+      <p:sp>
+        <p:nvSpPr>
+          <p:cNvPr id="2" name="Title 1">
+            <a:extLst>
+              <a:ext uri="{FF2B5EF4-FFF2-40B4-BE49-F238E27FC236}">
+                <a16:creationId xmlns:a16="http://schemas.microsoft.com/office/drawing/2014/main" id="{4191AE35-B4E0-48BB-B0D2-CFB15683AC1F}"/>
+              </a:ext>
+            </a:extLst>
+          </p:cNvPr>
+          <p:cNvSpPr>
+            <a:spLocks noGrp="1"/>
+          </p:cNvSpPr>
+          <p:nvPr>
+            <p:ph type="title"/>
+          </p:nvPr>
+        </p:nvSpPr>
+        <p:spPr/>
+        <p:txBody>
+          <a:bodyPr/>
+          <a:lstStyle/>
+          <a:p>
+            <a:r>
+              <a:rPr lang="en-US" dirty="0"/>
+              <a:t>Setup</a:t>
+            </a:r>
+          </a:p>
+        </p:txBody>
+      </p:sp>
+      <p:sp>
+        <p:nvSpPr>
+          <p:cNvPr id="3" name="Content Placeholder 2">
+            <a:extLst>
+              <a:ext uri="{FF2B5EF4-FFF2-40B4-BE49-F238E27FC236}">
+                <a16:creationId xmlns:a16="http://schemas.microsoft.com/office/drawing/2014/main" id="{111E9379-CF32-4676-B143-B4DC104F40DE}"/>
+              </a:ext>
+            </a:extLst>
+          </p:cNvPr>
+          <p:cNvSpPr>
+            <a:spLocks noGrp="1"/>
+          </p:cNvSpPr>
+          <p:nvPr>
+            <p:ph idx="1"/>
+          </p:nvPr>
+        </p:nvSpPr>
+        <p:spPr/>
+        <p:txBody>
+          <a:bodyPr/>
+          <a:lstStyle/>
+          <a:p>
+            <a:endParaRPr lang="en-US" dirty="0"/>
+          </a:p>
+        </p:txBody>
+      </p:sp>
+    </p:spTree>
+    <p:extLst>
+      <p:ext uri="{BB962C8B-B14F-4D97-AF65-F5344CB8AC3E}">
+        <p14:creationId xmlns:p14="http://schemas.microsoft.com/office/powerpoint/2010/main" val="279052102"/>
+      </p:ext>
+    </p:extLst>
+  </p:cSld>
+  <p:clrMapOvr>
+    <a:masterClrMapping/>
+  </p:clrMapOvr>
+</p:sld>
+</file>
+
+<file path=ppt/slides/slide8.xml><?xml version="1.0" encoding="utf-8"?>
+<p:sld xmlns:a="http://schemas.openxmlformats.org/drawingml/2006/main" xmlns:r="http://schemas.openxmlformats.org/officeDocument/2006/relationships" xmlns:p="http://schemas.openxmlformats.org/presentationml/2006/main">
+  <p:cSld>
+    <p:spTree>
+      <p:nvGrpSpPr>
+        <p:cNvPr id="1" name=""/>
+        <p:cNvGrpSpPr/>
+        <p:nvPr/>
+      </p:nvGrpSpPr>
+      <p:grpSpPr>
+        <a:xfrm>
+          <a:off x="0" y="0"/>
+          <a:ext cx="0" cy="0"/>
+          <a:chOff x="0" y="0"/>
+          <a:chExt cx="0" cy="0"/>
+        </a:xfrm>
+      </p:grpSpPr>
+      <p:sp>
+        <p:nvSpPr>
+          <p:cNvPr id="2" name="Title 1">
+            <a:extLst>
+              <a:ext uri="{FF2B5EF4-FFF2-40B4-BE49-F238E27FC236}">
+                <a16:creationId xmlns:a16="http://schemas.microsoft.com/office/drawing/2014/main" id="{4191AE35-B4E0-48BB-B0D2-CFB15683AC1F}"/>
+              </a:ext>
+            </a:extLst>
+          </p:cNvPr>
+          <p:cNvSpPr>
+            <a:spLocks noGrp="1"/>
+          </p:cNvSpPr>
+          <p:nvPr>
+            <p:ph type="title"/>
+          </p:nvPr>
+        </p:nvSpPr>
+        <p:spPr/>
+        <p:txBody>
+          <a:bodyPr/>
+          <a:lstStyle/>
+          <a:p>
+            <a:r>
+              <a:rPr lang="en-US" dirty="0"/>
+              <a:t>Edit your first report</a:t>
+            </a:r>
+          </a:p>
+        </p:txBody>
+      </p:sp>
+      <p:sp>
+        <p:nvSpPr>
+          <p:cNvPr id="3" name="Content Placeholder 2">
+            <a:extLst>
+              <a:ext uri="{FF2B5EF4-FFF2-40B4-BE49-F238E27FC236}">
+                <a16:creationId xmlns:a16="http://schemas.microsoft.com/office/drawing/2014/main" id="{111E9379-CF32-4676-B143-B4DC104F40DE}"/>
+              </a:ext>
+            </a:extLst>
+          </p:cNvPr>
+          <p:cNvSpPr>
+            <a:spLocks noGrp="1"/>
+          </p:cNvSpPr>
+          <p:nvPr>
+            <p:ph idx="1"/>
+          </p:nvPr>
+        </p:nvSpPr>
+        <p:spPr/>
+        <p:txBody>
+          <a:bodyPr/>
+          <a:lstStyle/>
+          <a:p>
+            <a:endParaRPr lang="en-US" dirty="0"/>
+          </a:p>
+        </p:txBody>
+      </p:sp>
+    </p:spTree>
+    <p:extLst>
+      <p:ext uri="{BB962C8B-B14F-4D97-AF65-F5344CB8AC3E}">
+        <p14:creationId xmlns:p14="http://schemas.microsoft.com/office/powerpoint/2010/main" val="2558588533"/>
+      </p:ext>
+    </p:extLst>
+  </p:cSld>
+  <p:clrMapOvr>
+    <a:masterClrMapping/>
+  </p:clrMapOvr>
+</p:sld>
+</file>
+
+<file path=ppt/slides/slide9.xml><?xml version="1.0" encoding="utf-8"?>
+<p:sld xmlns:a="http://schemas.openxmlformats.org/drawingml/2006/main" xmlns:r="http://schemas.openxmlformats.org/officeDocument/2006/relationships" xmlns:p="http://schemas.openxmlformats.org/presentationml/2006/main">
+  <p:cSld>
+    <p:spTree>
+      <p:nvGrpSpPr>
+        <p:cNvPr id="1" name=""/>
+        <p:cNvGrpSpPr/>
+        <p:nvPr/>
+      </p:nvGrpSpPr>
+      <p:grpSpPr>
+        <a:xfrm>
+          <a:off x="0" y="0"/>
+          <a:ext cx="0" cy="0"/>
+          <a:chOff x="0" y="0"/>
+          <a:chExt cx="0" cy="0"/>
+        </a:xfrm>
+      </p:grpSpPr>
+      <p:sp>
+        <p:nvSpPr>
+          <p:cNvPr id="2" name="Title 1">
+            <a:extLst>
+              <a:ext uri="{FF2B5EF4-FFF2-40B4-BE49-F238E27FC236}">
+                <a16:creationId xmlns:a16="http://schemas.microsoft.com/office/drawing/2014/main" id="{4191AE35-B4E0-48BB-B0D2-CFB15683AC1F}"/>
+              </a:ext>
+            </a:extLst>
+          </p:cNvPr>
+          <p:cNvSpPr>
+            <a:spLocks noGrp="1"/>
+          </p:cNvSpPr>
+          <p:nvPr>
+            <p:ph type="title"/>
+          </p:nvPr>
+        </p:nvSpPr>
+        <p:spPr/>
+        <p:txBody>
+          <a:bodyPr/>
+          <a:lstStyle/>
+          <a:p>
+            <a:r>
+              <a:rPr lang="en-US" dirty="0"/>
+              <a:t>Designer deep dive</a:t>
+            </a:r>
+          </a:p>
+        </p:txBody>
+      </p:sp>
+      <p:sp>
+        <p:nvSpPr>
+          <p:cNvPr id="3" name="Content Placeholder 2">
+            <a:extLst>
+              <a:ext uri="{FF2B5EF4-FFF2-40B4-BE49-F238E27FC236}">
+                <a16:creationId xmlns:a16="http://schemas.microsoft.com/office/drawing/2014/main" id="{111E9379-CF32-4676-B143-B4DC104F40DE}"/>
+              </a:ext>
+            </a:extLst>
+          </p:cNvPr>
+          <p:cNvSpPr>
+            <a:spLocks noGrp="1"/>
+          </p:cNvSpPr>
+          <p:nvPr>
+            <p:ph idx="1"/>
+          </p:nvPr>
+        </p:nvSpPr>
+        <p:spPr/>
+        <p:txBody>
+          <a:bodyPr/>
+          <a:lstStyle/>
+          <a:p>
+            <a:endParaRPr lang="en-US" dirty="0"/>
+          </a:p>
+        </p:txBody>
+      </p:sp>
+    </p:spTree>
+    <p:extLst>
+      <p:ext uri="{BB962C8B-B14F-4D97-AF65-F5344CB8AC3E}">
+        <p14:creationId xmlns:p14="http://schemas.microsoft.com/office/powerpoint/2010/main" val="1556533050"/>
       </p:ext>
     </p:extLst>
   </p:cSld>

--- a/Powerpoint/Webinar.pptx
+++ b/Powerpoint/Webinar.pptx
@@ -216,7 +216,7 @@
           <a:p>
             <a:fld id="{EF7605A9-D843-407C-9CBE-B56DCAD297D7}" type="datetimeFigureOut">
               <a:rPr lang="en-US" smtClean="0"/>
-              <a:t>12-05-20</a:t>
+              <a:t>19-05-20</a:t>
             </a:fld>
             <a:endParaRPr lang="en-US"/>
           </a:p>
@@ -1005,7 +1005,7 @@
           <a:p>
             <a:fld id="{ACF7820E-34FD-4988-B782-4EA914680210}" type="datetimeFigureOut">
               <a:rPr lang="da-DK" smtClean="0"/>
-              <a:t>12-05-2020</a:t>
+              <a:t>19-05-2020</a:t>
             </a:fld>
             <a:endParaRPr lang="da-DK"/>
           </a:p>
@@ -1153,7 +1153,7 @@
           <a:p>
             <a:fld id="{ACF7820E-34FD-4988-B782-4EA914680210}" type="datetimeFigureOut">
               <a:rPr lang="da-DK" smtClean="0"/>
-              <a:t>12-05-2020</a:t>
+              <a:t>19-05-2020</a:t>
             </a:fld>
             <a:endParaRPr lang="da-DK"/>
           </a:p>
@@ -1278,7 +1278,7 @@
           <a:p>
             <a:fld id="{ACF7820E-34FD-4988-B782-4EA914680210}" type="datetimeFigureOut">
               <a:rPr lang="da-DK" smtClean="0"/>
-              <a:t>12-05-2020</a:t>
+              <a:t>19-05-2020</a:t>
             </a:fld>
             <a:endParaRPr lang="da-DK"/>
           </a:p>
@@ -1403,7 +1403,7 @@
           <a:p>
             <a:fld id="{ACF7820E-34FD-4988-B782-4EA914680210}" type="datetimeFigureOut">
               <a:rPr lang="da-DK" smtClean="0"/>
-              <a:t>12-05-2020</a:t>
+              <a:t>19-05-2020</a:t>
             </a:fld>
             <a:endParaRPr lang="da-DK"/>
           </a:p>
@@ -1717,7 +1717,7 @@
           <a:p>
             <a:fld id="{ACF7820E-34FD-4988-B782-4EA914680210}" type="datetimeFigureOut">
               <a:rPr lang="da-DK" smtClean="0"/>
-              <a:t>12-05-2020</a:t>
+              <a:t>19-05-2020</a:t>
             </a:fld>
             <a:endParaRPr lang="da-DK"/>
           </a:p>
@@ -2031,7 +2031,7 @@
           <a:p>
             <a:fld id="{ACF7820E-34FD-4988-B782-4EA914680210}" type="datetimeFigureOut">
               <a:rPr lang="da-DK" smtClean="0"/>
-              <a:t>12-05-2020</a:t>
+              <a:t>19-05-2020</a:t>
             </a:fld>
             <a:endParaRPr lang="da-DK"/>
           </a:p>
@@ -2314,7 +2314,7 @@
           <a:p>
             <a:fld id="{ACF7820E-34FD-4988-B782-4EA914680210}" type="datetimeFigureOut">
               <a:rPr lang="da-DK" smtClean="0"/>
-              <a:t>12-05-2020</a:t>
+              <a:t>19-05-2020</a:t>
             </a:fld>
             <a:endParaRPr lang="da-DK"/>
           </a:p>
@@ -2597,7 +2597,7 @@
           <a:p>
             <a:fld id="{ACF7820E-34FD-4988-B782-4EA914680210}" type="datetimeFigureOut">
               <a:rPr lang="da-DK" smtClean="0"/>
-              <a:t>12-05-2020</a:t>
+              <a:t>19-05-2020</a:t>
             </a:fld>
             <a:endParaRPr lang="da-DK"/>
           </a:p>
@@ -2802,7 +2802,7 @@
           <a:p>
             <a:fld id="{ACF7820E-34FD-4988-B782-4EA914680210}" type="datetimeFigureOut">
               <a:rPr lang="da-DK" smtClean="0"/>
-              <a:t>12-05-2020</a:t>
+              <a:t>19-05-2020</a:t>
             </a:fld>
             <a:endParaRPr lang="da-DK"/>
           </a:p>
@@ -3007,7 +3007,7 @@
           <a:p>
             <a:fld id="{ACF7820E-34FD-4988-B782-4EA914680210}" type="datetimeFigureOut">
               <a:rPr lang="da-DK" smtClean="0"/>
-              <a:t>12-05-2020</a:t>
+              <a:t>19-05-2020</a:t>
             </a:fld>
             <a:endParaRPr lang="da-DK"/>
           </a:p>
@@ -3283,7 +3283,7 @@
           <a:p>
             <a:fld id="{ACF7820E-34FD-4988-B782-4EA914680210}" type="datetimeFigureOut">
               <a:rPr lang="da-DK" smtClean="0"/>
-              <a:t>12-05-2020</a:t>
+              <a:t>19-05-2020</a:t>
             </a:fld>
             <a:endParaRPr lang="da-DK"/>
           </a:p>
@@ -3515,7 +3515,7 @@
           <a:p>
             <a:fld id="{ACF7820E-34FD-4988-B782-4EA914680210}" type="datetimeFigureOut">
               <a:rPr lang="da-DK" smtClean="0"/>
-              <a:t>12-05-2020</a:t>
+              <a:t>19-05-2020</a:t>
             </a:fld>
             <a:endParaRPr lang="da-DK"/>
           </a:p>
@@ -3777,7 +3777,7 @@
           <a:p>
             <a:fld id="{ACF7820E-34FD-4988-B782-4EA914680210}" type="datetimeFigureOut">
               <a:rPr lang="da-DK" smtClean="0"/>
-              <a:t>12-05-2020</a:t>
+              <a:t>19-05-2020</a:t>
             </a:fld>
             <a:endParaRPr lang="da-DK"/>
           </a:p>
@@ -4190,7 +4190,7 @@
           <a:p>
             <a:fld id="{ACF7820E-34FD-4988-B782-4EA914680210}" type="datetimeFigureOut">
               <a:rPr lang="da-DK" smtClean="0"/>
-              <a:t>12-05-2020</a:t>
+              <a:t>19-05-2020</a:t>
             </a:fld>
             <a:endParaRPr lang="da-DK"/>
           </a:p>
@@ -4603,7 +4603,7 @@
           <a:p>
             <a:fld id="{ACF7820E-34FD-4988-B782-4EA914680210}" type="datetimeFigureOut">
               <a:rPr lang="da-DK" smtClean="0"/>
-              <a:t>12-05-2020</a:t>
+              <a:t>19-05-2020</a:t>
             </a:fld>
             <a:endParaRPr lang="da-DK"/>
           </a:p>
@@ -4751,7 +4751,7 @@
           <a:p>
             <a:fld id="{ACF7820E-34FD-4988-B782-4EA914680210}" type="datetimeFigureOut">
               <a:rPr lang="da-DK" smtClean="0"/>
-              <a:t>12-05-2020</a:t>
+              <a:t>19-05-2020</a:t>
             </a:fld>
             <a:endParaRPr lang="da-DK"/>
           </a:p>
@@ -4994,7 +4994,7 @@
           <a:p>
             <a:fld id="{ACF7820E-34FD-4988-B782-4EA914680210}" type="datetimeFigureOut">
               <a:rPr lang="da-DK" smtClean="0"/>
-              <a:t>12-05-2020</a:t>
+              <a:t>19-05-2020</a:t>
             </a:fld>
             <a:endParaRPr lang="da-DK"/>
           </a:p>
@@ -6364,7 +6364,7 @@
         <p:spPr>
           <a:xfrm>
             <a:off x="536294" y="1582340"/>
-            <a:ext cx="4892233" cy="3139321"/>
+            <a:ext cx="4892233" cy="2585323"/>
           </a:xfrm>
           <a:prstGeom prst="rect">
             <a:avLst/>
@@ -6403,16 +6403,11 @@
               <a:rPr lang="en-US" dirty="0"/>
               <a:t>- Designer deep dive</a:t>
             </a:r>
-          </a:p>
-          <a:p>
-            <a:r>
-              <a:rPr lang="en-US" dirty="0">
-                <a:solidFill>
-                  <a:srgbClr val="E64215"/>
-                </a:solidFill>
-              </a:rPr>
-              <a:t>Session 2</a:t>
-            </a:r>
+            <a:endParaRPr lang="en-US" dirty="0">
+              <a:solidFill>
+                <a:srgbClr val="E64215"/>
+              </a:solidFill>
+            </a:endParaRPr>
           </a:p>
           <a:p>
             <a:r>
@@ -6425,16 +6420,11 @@
               <a:rPr lang="en-US" dirty="0"/>
               <a:t>- Templates</a:t>
             </a:r>
-          </a:p>
-          <a:p>
-            <a:r>
-              <a:rPr lang="en-US" dirty="0">
-                <a:solidFill>
-                  <a:srgbClr val="E64215"/>
-                </a:solidFill>
-              </a:rPr>
-              <a:t>Session 3</a:t>
-            </a:r>
+            <a:endParaRPr lang="en-US" dirty="0">
+              <a:solidFill>
+                <a:srgbClr val="E64215"/>
+              </a:solidFill>
+            </a:endParaRPr>
           </a:p>
           <a:p>
             <a:r>
@@ -6472,7 +6462,7 @@
         <p:spPr>
           <a:xfrm>
             <a:off x="5730433" y="1690688"/>
-            <a:ext cx="4892233" cy="2862322"/>
+            <a:ext cx="4892233" cy="2585323"/>
           </a:xfrm>
           <a:prstGeom prst="rect">
             <a:avLst/>
@@ -6491,7 +6481,7 @@
                   <a:srgbClr val="E64215"/>
                 </a:solidFill>
               </a:rPr>
-              <a:t>Session 4</a:t>
+              <a:t>Session 2</a:t>
             </a:r>
           </a:p>
           <a:p>
@@ -6505,6 +6495,45 @@
               <a:rPr lang="en-US" dirty="0"/>
               <a:t>- Totals and transheaders and -footers</a:t>
             </a:r>
+            <a:endParaRPr lang="en-US" dirty="0">
+              <a:solidFill>
+                <a:srgbClr val="E64215"/>
+              </a:solidFill>
+            </a:endParaRPr>
+          </a:p>
+          <a:p>
+            <a:r>
+              <a:rPr lang="en-US" dirty="0"/>
+              <a:t>- Add DataItems</a:t>
+            </a:r>
+          </a:p>
+          <a:p>
+            <a:r>
+              <a:rPr lang="en-US" dirty="0"/>
+              <a:t>- </a:t>
+            </a:r>
+            <a:r>
+              <a:rPr lang="en-US" dirty="0" err="1"/>
+              <a:t>Groupheaders</a:t>
+            </a:r>
+            <a:r>
+              <a:rPr lang="en-US" dirty="0"/>
+              <a:t> and -footers</a:t>
+            </a:r>
+            <a:endParaRPr lang="en-US" dirty="0">
+              <a:solidFill>
+                <a:srgbClr val="E64215"/>
+              </a:solidFill>
+            </a:endParaRPr>
+          </a:p>
+          <a:p>
+            <a:r>
+              <a:rPr lang="en-US" dirty="0"/>
+              <a:t>- Create new reports</a:t>
+            </a:r>
+          </a:p>
+          <a:p>
+            <a:endParaRPr lang="en-US" dirty="0"/>
           </a:p>
           <a:p>
             <a:r>
@@ -6513,53 +6542,7 @@
                   <a:srgbClr val="E64215"/>
                 </a:solidFill>
               </a:rPr>
-              <a:t>Session 5</a:t>
-            </a:r>
-          </a:p>
-          <a:p>
-            <a:r>
-              <a:rPr lang="en-US" dirty="0"/>
-              <a:t>- Add DataItems</a:t>
-            </a:r>
-          </a:p>
-          <a:p>
-            <a:r>
-              <a:rPr lang="en-US" dirty="0"/>
-              <a:t>- </a:t>
-            </a:r>
-            <a:r>
-              <a:rPr lang="en-US" dirty="0" err="1"/>
-              <a:t>Groupheaders</a:t>
-            </a:r>
-            <a:r>
-              <a:rPr lang="en-US" dirty="0"/>
-              <a:t> and -footers</a:t>
-            </a:r>
-          </a:p>
-          <a:p>
-            <a:r>
-              <a:rPr lang="en-US" dirty="0">
-                <a:solidFill>
-                  <a:srgbClr val="E64215"/>
-                </a:solidFill>
-              </a:rPr>
-              <a:t>Session 6</a:t>
-            </a:r>
-          </a:p>
-          <a:p>
-            <a:r>
-              <a:rPr lang="en-US" dirty="0"/>
-              <a:t>- Create new reports</a:t>
-            </a:r>
-          </a:p>
-          <a:p>
-            <a:r>
-              <a:rPr lang="en-US" dirty="0">
-                <a:solidFill>
-                  <a:srgbClr val="E64215"/>
-                </a:solidFill>
-              </a:rPr>
-              <a:t>Session 7</a:t>
+              <a:t>Session 3</a:t>
             </a:r>
           </a:p>
           <a:p>

--- a/Powerpoint/Webinar.pptx
+++ b/Powerpoint/Webinar.pptx
@@ -216,7 +216,7 @@
           <a:p>
             <a:fld id="{EF7605A9-D843-407C-9CBE-B56DCAD297D7}" type="datetimeFigureOut">
               <a:rPr lang="en-US" smtClean="0"/>
-              <a:t>19-05-20</a:t>
+              <a:t>9/4/2020</a:t>
             </a:fld>
             <a:endParaRPr lang="en-US"/>
           </a:p>
@@ -1005,7 +1005,7 @@
           <a:p>
             <a:fld id="{ACF7820E-34FD-4988-B782-4EA914680210}" type="datetimeFigureOut">
               <a:rPr lang="da-DK" smtClean="0"/>
-              <a:t>19-05-2020</a:t>
+              <a:t>04-09-2020</a:t>
             </a:fld>
             <a:endParaRPr lang="da-DK"/>
           </a:p>
@@ -1153,7 +1153,7 @@
           <a:p>
             <a:fld id="{ACF7820E-34FD-4988-B782-4EA914680210}" type="datetimeFigureOut">
               <a:rPr lang="da-DK" smtClean="0"/>
-              <a:t>19-05-2020</a:t>
+              <a:t>04-09-2020</a:t>
             </a:fld>
             <a:endParaRPr lang="da-DK"/>
           </a:p>
@@ -1278,7 +1278,7 @@
           <a:p>
             <a:fld id="{ACF7820E-34FD-4988-B782-4EA914680210}" type="datetimeFigureOut">
               <a:rPr lang="da-DK" smtClean="0"/>
-              <a:t>19-05-2020</a:t>
+              <a:t>04-09-2020</a:t>
             </a:fld>
             <a:endParaRPr lang="da-DK"/>
           </a:p>
@@ -1403,7 +1403,7 @@
           <a:p>
             <a:fld id="{ACF7820E-34FD-4988-B782-4EA914680210}" type="datetimeFigureOut">
               <a:rPr lang="da-DK" smtClean="0"/>
-              <a:t>19-05-2020</a:t>
+              <a:t>04-09-2020</a:t>
             </a:fld>
             <a:endParaRPr lang="da-DK"/>
           </a:p>
@@ -1717,7 +1717,7 @@
           <a:p>
             <a:fld id="{ACF7820E-34FD-4988-B782-4EA914680210}" type="datetimeFigureOut">
               <a:rPr lang="da-DK" smtClean="0"/>
-              <a:t>19-05-2020</a:t>
+              <a:t>04-09-2020</a:t>
             </a:fld>
             <a:endParaRPr lang="da-DK"/>
           </a:p>
@@ -2031,7 +2031,7 @@
           <a:p>
             <a:fld id="{ACF7820E-34FD-4988-B782-4EA914680210}" type="datetimeFigureOut">
               <a:rPr lang="da-DK" smtClean="0"/>
-              <a:t>19-05-2020</a:t>
+              <a:t>04-09-2020</a:t>
             </a:fld>
             <a:endParaRPr lang="da-DK"/>
           </a:p>
@@ -2314,7 +2314,7 @@
           <a:p>
             <a:fld id="{ACF7820E-34FD-4988-B782-4EA914680210}" type="datetimeFigureOut">
               <a:rPr lang="da-DK" smtClean="0"/>
-              <a:t>19-05-2020</a:t>
+              <a:t>04-09-2020</a:t>
             </a:fld>
             <a:endParaRPr lang="da-DK"/>
           </a:p>
@@ -2597,7 +2597,7 @@
           <a:p>
             <a:fld id="{ACF7820E-34FD-4988-B782-4EA914680210}" type="datetimeFigureOut">
               <a:rPr lang="da-DK" smtClean="0"/>
-              <a:t>19-05-2020</a:t>
+              <a:t>04-09-2020</a:t>
             </a:fld>
             <a:endParaRPr lang="da-DK"/>
           </a:p>
@@ -2802,7 +2802,7 @@
           <a:p>
             <a:fld id="{ACF7820E-34FD-4988-B782-4EA914680210}" type="datetimeFigureOut">
               <a:rPr lang="da-DK" smtClean="0"/>
-              <a:t>19-05-2020</a:t>
+              <a:t>04-09-2020</a:t>
             </a:fld>
             <a:endParaRPr lang="da-DK"/>
           </a:p>
@@ -3007,7 +3007,7 @@
           <a:p>
             <a:fld id="{ACF7820E-34FD-4988-B782-4EA914680210}" type="datetimeFigureOut">
               <a:rPr lang="da-DK" smtClean="0"/>
-              <a:t>19-05-2020</a:t>
+              <a:t>04-09-2020</a:t>
             </a:fld>
             <a:endParaRPr lang="da-DK"/>
           </a:p>
@@ -3283,7 +3283,7 @@
           <a:p>
             <a:fld id="{ACF7820E-34FD-4988-B782-4EA914680210}" type="datetimeFigureOut">
               <a:rPr lang="da-DK" smtClean="0"/>
-              <a:t>19-05-2020</a:t>
+              <a:t>04-09-2020</a:t>
             </a:fld>
             <a:endParaRPr lang="da-DK"/>
           </a:p>
@@ -3515,7 +3515,7 @@
           <a:p>
             <a:fld id="{ACF7820E-34FD-4988-B782-4EA914680210}" type="datetimeFigureOut">
               <a:rPr lang="da-DK" smtClean="0"/>
-              <a:t>19-05-2020</a:t>
+              <a:t>04-09-2020</a:t>
             </a:fld>
             <a:endParaRPr lang="da-DK"/>
           </a:p>
@@ -3777,7 +3777,7 @@
           <a:p>
             <a:fld id="{ACF7820E-34FD-4988-B782-4EA914680210}" type="datetimeFigureOut">
               <a:rPr lang="da-DK" smtClean="0"/>
-              <a:t>19-05-2020</a:t>
+              <a:t>04-09-2020</a:t>
             </a:fld>
             <a:endParaRPr lang="da-DK"/>
           </a:p>
@@ -4190,7 +4190,7 @@
           <a:p>
             <a:fld id="{ACF7820E-34FD-4988-B782-4EA914680210}" type="datetimeFigureOut">
               <a:rPr lang="da-DK" smtClean="0"/>
-              <a:t>19-05-2020</a:t>
+              <a:t>04-09-2020</a:t>
             </a:fld>
             <a:endParaRPr lang="da-DK"/>
           </a:p>
@@ -4603,7 +4603,7 @@
           <a:p>
             <a:fld id="{ACF7820E-34FD-4988-B782-4EA914680210}" type="datetimeFigureOut">
               <a:rPr lang="da-DK" smtClean="0"/>
-              <a:t>19-05-2020</a:t>
+              <a:t>04-09-2020</a:t>
             </a:fld>
             <a:endParaRPr lang="da-DK"/>
           </a:p>
@@ -4751,7 +4751,7 @@
           <a:p>
             <a:fld id="{ACF7820E-34FD-4988-B782-4EA914680210}" type="datetimeFigureOut">
               <a:rPr lang="da-DK" smtClean="0"/>
-              <a:t>19-05-2020</a:t>
+              <a:t>04-09-2020</a:t>
             </a:fld>
             <a:endParaRPr lang="da-DK"/>
           </a:p>
@@ -4994,7 +4994,7 @@
           <a:p>
             <a:fld id="{ACF7820E-34FD-4988-B782-4EA914680210}" type="datetimeFigureOut">
               <a:rPr lang="da-DK" smtClean="0"/>
-              <a:t>19-05-2020</a:t>
+              <a:t>04-09-2020</a:t>
             </a:fld>
             <a:endParaRPr lang="da-DK"/>
           </a:p>
@@ -5443,7 +5443,7 @@
           <a:p>
             <a:r>
               <a:rPr lang="en-US" dirty="0"/>
-              <a:t>&lt;Trainer name&gt;</a:t>
+              <a:t>René Brummel</a:t>
             </a:r>
           </a:p>
         </p:txBody>
@@ -6420,22 +6420,25 @@
               <a:rPr lang="en-US" dirty="0"/>
               <a:t>- Templates</a:t>
             </a:r>
-            <a:endParaRPr lang="en-US" dirty="0">
-              <a:solidFill>
-                <a:srgbClr val="E64215"/>
-              </a:solidFill>
-            </a:endParaRPr>
-          </a:p>
-          <a:p>
+          </a:p>
+          <a:p>
+            <a:pPr marL="285750" indent="-285750">
+              <a:buFontTx/>
+              <a:buChar char="-"/>
+            </a:pPr>
             <a:r>
               <a:rPr lang="en-US" dirty="0"/>
-              <a:t>- Multilanguage</a:t>
-            </a:r>
-          </a:p>
-          <a:p>
+              <a:t>ForNAV Language module</a:t>
+            </a:r>
+          </a:p>
+          <a:p>
+            <a:pPr marL="285750" indent="-285750">
+              <a:buFontTx/>
+              <a:buChar char="-"/>
+            </a:pPr>
             <a:r>
               <a:rPr lang="en-US" dirty="0"/>
-              <a:t>- ForNAV Language module</a:t>
+              <a:t>Direct print</a:t>
             </a:r>
           </a:p>
           <a:p>
@@ -6443,7 +6446,6 @@
               <a:rPr lang="en-US" dirty="0"/>
               <a:t>- Change of fonts and show output</a:t>
             </a:r>
-            <a:endParaRPr lang="en-NL" dirty="0"/>
           </a:p>
         </p:txBody>
       </p:sp>
@@ -6486,8 +6488,12 @@
           </a:p>
           <a:p>
             <a:r>
+              <a:rPr lang="en-US"/>
+              <a:t>- Adding </a:t>
+            </a:r>
+            <a:r>
               <a:rPr lang="en-US" dirty="0"/>
-              <a:t>- Adding data from other tables</a:t>
+              <a:t>data from other tables</a:t>
             </a:r>
           </a:p>
           <a:p>
